--- a/image/이미지 생성용.pptx
+++ b/image/이미지 생성용.pptx
@@ -6,10 +6,11 @@
   </p:sldMasterIdLst>
   <p:sldIdLst>
     <p:sldId id="256" r:id="rId2"/>
-    <p:sldId id="257" r:id="rId3"/>
-    <p:sldId id="258" r:id="rId4"/>
-    <p:sldId id="259" r:id="rId5"/>
-    <p:sldId id="260" r:id="rId6"/>
+    <p:sldId id="261" r:id="rId3"/>
+    <p:sldId id="257" r:id="rId4"/>
+    <p:sldId id="258" r:id="rId5"/>
+    <p:sldId id="259" r:id="rId6"/>
+    <p:sldId id="260" r:id="rId7"/>
   </p:sldIdLst>
   <p:sldSz cx="12192000" cy="6858000"/>
   <p:notesSz cx="6858000" cy="9144000"/>
@@ -247,7 +248,7 @@
           <a:p>
             <a:fld id="{F0CD9246-440E-46C2-946E-50CD81230ED2}" type="datetimeFigureOut">
               <a:rPr lang="ko-KR" altLang="en-US" smtClean="0"/>
-              <a:t>2025-12-28</a:t>
+              <a:t>2025-12-31</a:t>
             </a:fld>
             <a:endParaRPr lang="ko-KR" altLang="en-US"/>
           </a:p>
@@ -417,7 +418,7 @@
           <a:p>
             <a:fld id="{F0CD9246-440E-46C2-946E-50CD81230ED2}" type="datetimeFigureOut">
               <a:rPr lang="ko-KR" altLang="en-US" smtClean="0"/>
-              <a:t>2025-12-28</a:t>
+              <a:t>2025-12-31</a:t>
             </a:fld>
             <a:endParaRPr lang="ko-KR" altLang="en-US"/>
           </a:p>
@@ -597,7 +598,7 @@
           <a:p>
             <a:fld id="{F0CD9246-440E-46C2-946E-50CD81230ED2}" type="datetimeFigureOut">
               <a:rPr lang="ko-KR" altLang="en-US" smtClean="0"/>
-              <a:t>2025-12-28</a:t>
+              <a:t>2025-12-31</a:t>
             </a:fld>
             <a:endParaRPr lang="ko-KR" altLang="en-US"/>
           </a:p>
@@ -767,7 +768,7 @@
           <a:p>
             <a:fld id="{F0CD9246-440E-46C2-946E-50CD81230ED2}" type="datetimeFigureOut">
               <a:rPr lang="ko-KR" altLang="en-US" smtClean="0"/>
-              <a:t>2025-12-28</a:t>
+              <a:t>2025-12-31</a:t>
             </a:fld>
             <a:endParaRPr lang="ko-KR" altLang="en-US"/>
           </a:p>
@@ -1013,7 +1014,7 @@
           <a:p>
             <a:fld id="{F0CD9246-440E-46C2-946E-50CD81230ED2}" type="datetimeFigureOut">
               <a:rPr lang="ko-KR" altLang="en-US" smtClean="0"/>
-              <a:t>2025-12-28</a:t>
+              <a:t>2025-12-31</a:t>
             </a:fld>
             <a:endParaRPr lang="ko-KR" altLang="en-US"/>
           </a:p>
@@ -1245,7 +1246,7 @@
           <a:p>
             <a:fld id="{F0CD9246-440E-46C2-946E-50CD81230ED2}" type="datetimeFigureOut">
               <a:rPr lang="ko-KR" altLang="en-US" smtClean="0"/>
-              <a:t>2025-12-28</a:t>
+              <a:t>2025-12-31</a:t>
             </a:fld>
             <a:endParaRPr lang="ko-KR" altLang="en-US"/>
           </a:p>
@@ -1612,7 +1613,7 @@
           <a:p>
             <a:fld id="{F0CD9246-440E-46C2-946E-50CD81230ED2}" type="datetimeFigureOut">
               <a:rPr lang="ko-KR" altLang="en-US" smtClean="0"/>
-              <a:t>2025-12-28</a:t>
+              <a:t>2025-12-31</a:t>
             </a:fld>
             <a:endParaRPr lang="ko-KR" altLang="en-US"/>
           </a:p>
@@ -1730,7 +1731,7 @@
           <a:p>
             <a:fld id="{F0CD9246-440E-46C2-946E-50CD81230ED2}" type="datetimeFigureOut">
               <a:rPr lang="ko-KR" altLang="en-US" smtClean="0"/>
-              <a:t>2025-12-28</a:t>
+              <a:t>2025-12-31</a:t>
             </a:fld>
             <a:endParaRPr lang="ko-KR" altLang="en-US"/>
           </a:p>
@@ -1825,7 +1826,7 @@
           <a:p>
             <a:fld id="{F0CD9246-440E-46C2-946E-50CD81230ED2}" type="datetimeFigureOut">
               <a:rPr lang="ko-KR" altLang="en-US" smtClean="0"/>
-              <a:t>2025-12-28</a:t>
+              <a:t>2025-12-31</a:t>
             </a:fld>
             <a:endParaRPr lang="ko-KR" altLang="en-US"/>
           </a:p>
@@ -2102,7 +2103,7 @@
           <a:p>
             <a:fld id="{F0CD9246-440E-46C2-946E-50CD81230ED2}" type="datetimeFigureOut">
               <a:rPr lang="ko-KR" altLang="en-US" smtClean="0"/>
-              <a:t>2025-12-28</a:t>
+              <a:t>2025-12-31</a:t>
             </a:fld>
             <a:endParaRPr lang="ko-KR" altLang="en-US"/>
           </a:p>
@@ -2355,7 +2356,7 @@
           <a:p>
             <a:fld id="{F0CD9246-440E-46C2-946E-50CD81230ED2}" type="datetimeFigureOut">
               <a:rPr lang="ko-KR" altLang="en-US" smtClean="0"/>
-              <a:t>2025-12-28</a:t>
+              <a:t>2025-12-31</a:t>
             </a:fld>
             <a:endParaRPr lang="ko-KR" altLang="en-US"/>
           </a:p>
@@ -2568,7 +2569,7 @@
           <a:p>
             <a:fld id="{F0CD9246-440E-46C2-946E-50CD81230ED2}" type="datetimeFigureOut">
               <a:rPr lang="ko-KR" altLang="en-US" smtClean="0"/>
-              <a:t>2025-12-28</a:t>
+              <a:t>2025-12-31</a:t>
             </a:fld>
             <a:endParaRPr lang="ko-KR" altLang="en-US"/>
           </a:p>
@@ -3091,8 +3092,8 @@
         </p:blipFill>
         <p:spPr>
           <a:xfrm>
-            <a:off x="299547" y="371100"/>
-            <a:ext cx="4212543" cy="3235141"/>
+            <a:off x="280392" y="278487"/>
+            <a:ext cx="4315427" cy="2406351"/>
           </a:xfrm>
           <a:prstGeom prst="rect">
             <a:avLst/>
@@ -3115,56 +3116,8 @@
         </p:blipFill>
         <p:spPr>
           <a:xfrm>
-            <a:off x="609134" y="4167072"/>
-            <a:ext cx="4001059" cy="1000265"/>
-          </a:xfrm>
-          <a:prstGeom prst="rect">
-            <a:avLst/>
-          </a:prstGeom>
-        </p:spPr>
-      </p:pic>
-      <p:pic>
-        <p:nvPicPr>
-          <p:cNvPr id="6" name="그림 5"/>
-          <p:cNvPicPr>
-            <a:picLocks noChangeAspect="1"/>
-          </p:cNvPicPr>
-          <p:nvPr/>
-        </p:nvPicPr>
-        <p:blipFill>
-          <a:blip r:embed="rId4"/>
-          <a:stretch>
-            <a:fillRect/>
-          </a:stretch>
-        </p:blipFill>
-        <p:spPr>
-          <a:xfrm>
-            <a:off x="5495647" y="371100"/>
-            <a:ext cx="2389204" cy="2389204"/>
-          </a:xfrm>
-          <a:prstGeom prst="rect">
-            <a:avLst/>
-          </a:prstGeom>
-        </p:spPr>
-      </p:pic>
-      <p:pic>
-        <p:nvPicPr>
-          <p:cNvPr id="7" name="그림 6"/>
-          <p:cNvPicPr>
-            <a:picLocks noChangeAspect="1"/>
-          </p:cNvPicPr>
-          <p:nvPr/>
-        </p:nvPicPr>
-        <p:blipFill>
-          <a:blip r:embed="rId5"/>
-          <a:stretch>
-            <a:fillRect/>
-          </a:stretch>
-        </p:blipFill>
-        <p:spPr>
-          <a:xfrm>
-            <a:off x="5323983" y="3002913"/>
-            <a:ext cx="4229690" cy="2172003"/>
+            <a:off x="5312126" y="373818"/>
+            <a:ext cx="3326594" cy="2709288"/>
           </a:xfrm>
           <a:prstGeom prst="rect">
             <a:avLst/>
@@ -3174,7 +3127,7 @@
     </p:spTree>
     <p:extLst>
       <p:ext uri="{BB962C8B-B14F-4D97-AF65-F5344CB8AC3E}">
-        <p14:creationId xmlns:p14="http://schemas.microsoft.com/office/powerpoint/2010/main" val="2628583716"/>
+        <p14:creationId xmlns:p14="http://schemas.microsoft.com/office/powerpoint/2010/main" val="4024031726"/>
       </p:ext>
     </p:extLst>
   </p:cSld>
@@ -3217,8 +3170,80 @@
         </p:blipFill>
         <p:spPr>
           <a:xfrm>
-            <a:off x="813880" y="385493"/>
-            <a:ext cx="7268589" cy="3858163"/>
+            <a:off x="299547" y="371100"/>
+            <a:ext cx="4212543" cy="3235141"/>
+          </a:xfrm>
+          <a:prstGeom prst="rect">
+            <a:avLst/>
+          </a:prstGeom>
+        </p:spPr>
+      </p:pic>
+      <p:pic>
+        <p:nvPicPr>
+          <p:cNvPr id="5" name="그림 4"/>
+          <p:cNvPicPr>
+            <a:picLocks noChangeAspect="1"/>
+          </p:cNvPicPr>
+          <p:nvPr/>
+        </p:nvPicPr>
+        <p:blipFill>
+          <a:blip r:embed="rId3"/>
+          <a:stretch>
+            <a:fillRect/>
+          </a:stretch>
+        </p:blipFill>
+        <p:spPr>
+          <a:xfrm>
+            <a:off x="609134" y="4167072"/>
+            <a:ext cx="4001059" cy="1000265"/>
+          </a:xfrm>
+          <a:prstGeom prst="rect">
+            <a:avLst/>
+          </a:prstGeom>
+        </p:spPr>
+      </p:pic>
+      <p:pic>
+        <p:nvPicPr>
+          <p:cNvPr id="6" name="그림 5"/>
+          <p:cNvPicPr>
+            <a:picLocks noChangeAspect="1"/>
+          </p:cNvPicPr>
+          <p:nvPr/>
+        </p:nvPicPr>
+        <p:blipFill>
+          <a:blip r:embed="rId4"/>
+          <a:stretch>
+            <a:fillRect/>
+          </a:stretch>
+        </p:blipFill>
+        <p:spPr>
+          <a:xfrm>
+            <a:off x="5495647" y="371100"/>
+            <a:ext cx="2389204" cy="2389204"/>
+          </a:xfrm>
+          <a:prstGeom prst="rect">
+            <a:avLst/>
+          </a:prstGeom>
+        </p:spPr>
+      </p:pic>
+      <p:pic>
+        <p:nvPicPr>
+          <p:cNvPr id="7" name="그림 6"/>
+          <p:cNvPicPr>
+            <a:picLocks noChangeAspect="1"/>
+          </p:cNvPicPr>
+          <p:nvPr/>
+        </p:nvPicPr>
+        <p:blipFill>
+          <a:blip r:embed="rId5"/>
+          <a:stretch>
+            <a:fillRect/>
+          </a:stretch>
+        </p:blipFill>
+        <p:spPr>
+          <a:xfrm>
+            <a:off x="5323983" y="3002913"/>
+            <a:ext cx="4229690" cy="2172003"/>
           </a:xfrm>
           <a:prstGeom prst="rect">
             <a:avLst/>
@@ -3228,7 +3253,7 @@
     </p:spTree>
     <p:extLst>
       <p:ext uri="{BB962C8B-B14F-4D97-AF65-F5344CB8AC3E}">
-        <p14:creationId xmlns:p14="http://schemas.microsoft.com/office/powerpoint/2010/main" val="2668780768"/>
+        <p14:creationId xmlns:p14="http://schemas.microsoft.com/office/powerpoint/2010/main" val="2628583716"/>
       </p:ext>
     </p:extLst>
   </p:cSld>
@@ -3271,6 +3296,60 @@
         </p:blipFill>
         <p:spPr>
           <a:xfrm>
+            <a:off x="813880" y="385493"/>
+            <a:ext cx="7268589" cy="3858163"/>
+          </a:xfrm>
+          <a:prstGeom prst="rect">
+            <a:avLst/>
+          </a:prstGeom>
+        </p:spPr>
+      </p:pic>
+    </p:spTree>
+    <p:extLst>
+      <p:ext uri="{BB962C8B-B14F-4D97-AF65-F5344CB8AC3E}">
+        <p14:creationId xmlns:p14="http://schemas.microsoft.com/office/powerpoint/2010/main" val="2668780768"/>
+      </p:ext>
+    </p:extLst>
+  </p:cSld>
+  <p:clrMapOvr>
+    <a:masterClrMapping/>
+  </p:clrMapOvr>
+</p:sld>
+</file>
+
+<file path=ppt/slides/slide5.xml><?xml version="1.0" encoding="utf-8"?>
+<p:sld xmlns:a="http://schemas.openxmlformats.org/drawingml/2006/main" xmlns:r="http://schemas.openxmlformats.org/officeDocument/2006/relationships" xmlns:p="http://schemas.openxmlformats.org/presentationml/2006/main">
+  <p:cSld>
+    <p:spTree>
+      <p:nvGrpSpPr>
+        <p:cNvPr id="1" name=""/>
+        <p:cNvGrpSpPr/>
+        <p:nvPr/>
+      </p:nvGrpSpPr>
+      <p:grpSpPr>
+        <a:xfrm>
+          <a:off x="0" y="0"/>
+          <a:ext cx="0" cy="0"/>
+          <a:chOff x="0" y="0"/>
+          <a:chExt cx="0" cy="0"/>
+        </a:xfrm>
+      </p:grpSpPr>
+      <p:pic>
+        <p:nvPicPr>
+          <p:cNvPr id="4" name="그림 3"/>
+          <p:cNvPicPr>
+            <a:picLocks noChangeAspect="1"/>
+          </p:cNvPicPr>
+          <p:nvPr/>
+        </p:nvPicPr>
+        <p:blipFill>
+          <a:blip r:embed="rId2"/>
+          <a:stretch>
+            <a:fillRect/>
+          </a:stretch>
+        </p:blipFill>
+        <p:spPr>
+          <a:xfrm>
             <a:off x="656405" y="419195"/>
             <a:ext cx="3086531" cy="1960519"/>
           </a:xfrm>
@@ -3388,7 +3467,7 @@
 </p:sld>
 </file>
 
-<file path=ppt/slides/slide5.xml><?xml version="1.0" encoding="utf-8"?>
+<file path=ppt/slides/slide6.xml><?xml version="1.0" encoding="utf-8"?>
 <p:sld xmlns:a="http://schemas.openxmlformats.org/drawingml/2006/main" xmlns:r="http://schemas.openxmlformats.org/officeDocument/2006/relationships" xmlns:p="http://schemas.openxmlformats.org/presentationml/2006/main">
   <p:cSld>
     <p:spTree>

--- a/image/이미지 생성용.pptx
+++ b/image/이미지 생성용.pptx
@@ -7,10 +7,11 @@
   <p:sldIdLst>
     <p:sldId id="256" r:id="rId2"/>
     <p:sldId id="261" r:id="rId3"/>
-    <p:sldId id="257" r:id="rId4"/>
-    <p:sldId id="258" r:id="rId5"/>
-    <p:sldId id="259" r:id="rId6"/>
-    <p:sldId id="260" r:id="rId7"/>
+    <p:sldId id="262" r:id="rId4"/>
+    <p:sldId id="257" r:id="rId5"/>
+    <p:sldId id="258" r:id="rId6"/>
+    <p:sldId id="259" r:id="rId7"/>
+    <p:sldId id="260" r:id="rId8"/>
   </p:sldIdLst>
   <p:sldSz cx="12192000" cy="6858000"/>
   <p:notesSz cx="6858000" cy="9144000"/>
@@ -248,7 +249,7 @@
           <a:p>
             <a:fld id="{F0CD9246-440E-46C2-946E-50CD81230ED2}" type="datetimeFigureOut">
               <a:rPr lang="ko-KR" altLang="en-US" smtClean="0"/>
-              <a:t>2025-12-31</a:t>
+              <a:t>2026-01-02</a:t>
             </a:fld>
             <a:endParaRPr lang="ko-KR" altLang="en-US"/>
           </a:p>
@@ -418,7 +419,7 @@
           <a:p>
             <a:fld id="{F0CD9246-440E-46C2-946E-50CD81230ED2}" type="datetimeFigureOut">
               <a:rPr lang="ko-KR" altLang="en-US" smtClean="0"/>
-              <a:t>2025-12-31</a:t>
+              <a:t>2026-01-02</a:t>
             </a:fld>
             <a:endParaRPr lang="ko-KR" altLang="en-US"/>
           </a:p>
@@ -598,7 +599,7 @@
           <a:p>
             <a:fld id="{F0CD9246-440E-46C2-946E-50CD81230ED2}" type="datetimeFigureOut">
               <a:rPr lang="ko-KR" altLang="en-US" smtClean="0"/>
-              <a:t>2025-12-31</a:t>
+              <a:t>2026-01-02</a:t>
             </a:fld>
             <a:endParaRPr lang="ko-KR" altLang="en-US"/>
           </a:p>
@@ -768,7 +769,7 @@
           <a:p>
             <a:fld id="{F0CD9246-440E-46C2-946E-50CD81230ED2}" type="datetimeFigureOut">
               <a:rPr lang="ko-KR" altLang="en-US" smtClean="0"/>
-              <a:t>2025-12-31</a:t>
+              <a:t>2026-01-02</a:t>
             </a:fld>
             <a:endParaRPr lang="ko-KR" altLang="en-US"/>
           </a:p>
@@ -1014,7 +1015,7 @@
           <a:p>
             <a:fld id="{F0CD9246-440E-46C2-946E-50CD81230ED2}" type="datetimeFigureOut">
               <a:rPr lang="ko-KR" altLang="en-US" smtClean="0"/>
-              <a:t>2025-12-31</a:t>
+              <a:t>2026-01-02</a:t>
             </a:fld>
             <a:endParaRPr lang="ko-KR" altLang="en-US"/>
           </a:p>
@@ -1246,7 +1247,7 @@
           <a:p>
             <a:fld id="{F0CD9246-440E-46C2-946E-50CD81230ED2}" type="datetimeFigureOut">
               <a:rPr lang="ko-KR" altLang="en-US" smtClean="0"/>
-              <a:t>2025-12-31</a:t>
+              <a:t>2026-01-02</a:t>
             </a:fld>
             <a:endParaRPr lang="ko-KR" altLang="en-US"/>
           </a:p>
@@ -1613,7 +1614,7 @@
           <a:p>
             <a:fld id="{F0CD9246-440E-46C2-946E-50CD81230ED2}" type="datetimeFigureOut">
               <a:rPr lang="ko-KR" altLang="en-US" smtClean="0"/>
-              <a:t>2025-12-31</a:t>
+              <a:t>2026-01-02</a:t>
             </a:fld>
             <a:endParaRPr lang="ko-KR" altLang="en-US"/>
           </a:p>
@@ -1731,7 +1732,7 @@
           <a:p>
             <a:fld id="{F0CD9246-440E-46C2-946E-50CD81230ED2}" type="datetimeFigureOut">
               <a:rPr lang="ko-KR" altLang="en-US" smtClean="0"/>
-              <a:t>2025-12-31</a:t>
+              <a:t>2026-01-02</a:t>
             </a:fld>
             <a:endParaRPr lang="ko-KR" altLang="en-US"/>
           </a:p>
@@ -1826,7 +1827,7 @@
           <a:p>
             <a:fld id="{F0CD9246-440E-46C2-946E-50CD81230ED2}" type="datetimeFigureOut">
               <a:rPr lang="ko-KR" altLang="en-US" smtClean="0"/>
-              <a:t>2025-12-31</a:t>
+              <a:t>2026-01-02</a:t>
             </a:fld>
             <a:endParaRPr lang="ko-KR" altLang="en-US"/>
           </a:p>
@@ -2103,7 +2104,7 @@
           <a:p>
             <a:fld id="{F0CD9246-440E-46C2-946E-50CD81230ED2}" type="datetimeFigureOut">
               <a:rPr lang="ko-KR" altLang="en-US" smtClean="0"/>
-              <a:t>2025-12-31</a:t>
+              <a:t>2026-01-02</a:t>
             </a:fld>
             <a:endParaRPr lang="ko-KR" altLang="en-US"/>
           </a:p>
@@ -2356,7 +2357,7 @@
           <a:p>
             <a:fld id="{F0CD9246-440E-46C2-946E-50CD81230ED2}" type="datetimeFigureOut">
               <a:rPr lang="ko-KR" altLang="en-US" smtClean="0"/>
-              <a:t>2025-12-31</a:t>
+              <a:t>2026-01-02</a:t>
             </a:fld>
             <a:endParaRPr lang="ko-KR" altLang="en-US"/>
           </a:p>
@@ -2569,7 +2570,7 @@
           <a:p>
             <a:fld id="{F0CD9246-440E-46C2-946E-50CD81230ED2}" type="datetimeFigureOut">
               <a:rPr lang="ko-KR" altLang="en-US" smtClean="0"/>
-              <a:t>2025-12-31</a:t>
+              <a:t>2026-01-02</a:t>
             </a:fld>
             <a:endParaRPr lang="ko-KR" altLang="en-US"/>
           </a:p>
@@ -3124,6 +3125,69 @@
           </a:prstGeom>
         </p:spPr>
       </p:pic>
+      <p:sp>
+        <p:nvSpPr>
+          <p:cNvPr id="2" name="직사각형 1"/>
+          <p:cNvSpPr/>
+          <p:nvPr/>
+        </p:nvSpPr>
+        <p:spPr>
+          <a:xfrm>
+            <a:off x="4167427" y="3244334"/>
+            <a:ext cx="3857146" cy="369332"/>
+          </a:xfrm>
+          <a:prstGeom prst="rect">
+            <a:avLst/>
+          </a:prstGeom>
+        </p:spPr>
+        <p:txBody>
+          <a:bodyPr wrap="none">
+            <a:spAutoFit/>
+          </a:bodyPr>
+          <a:lstStyle/>
+          <a:p>
+            <a:r>
+              <a:rPr lang="en-US" altLang="ko-KR" dirty="0">
+                <a:solidFill>
+                  <a:srgbClr val="CCCCCC"/>
+                </a:solidFill>
+                <a:latin typeface="Consolas" panose="020B0609020204030204" pitchFamily="49" charset="0"/>
+              </a:rPr>
+              <a:t>03_04_bertviz_neuron_view.png</a:t>
+            </a:r>
+            <a:endParaRPr lang="en-US" altLang="ko-KR" b="0" dirty="0">
+              <a:solidFill>
+                <a:srgbClr val="CCCCCC"/>
+              </a:solidFill>
+              <a:effectLst/>
+              <a:latin typeface="Consolas" panose="020B0609020204030204" pitchFamily="49" charset="0"/>
+            </a:endParaRPr>
+          </a:p>
+        </p:txBody>
+      </p:sp>
+      <p:pic>
+        <p:nvPicPr>
+          <p:cNvPr id="3" name="그림 2"/>
+          <p:cNvPicPr>
+            <a:picLocks noChangeAspect="1"/>
+          </p:cNvPicPr>
+          <p:nvPr/>
+        </p:nvPicPr>
+        <p:blipFill rotWithShape="1">
+          <a:blip r:embed="rId4"/>
+          <a:srcRect t="14277"/>
+          <a:stretch/>
+        </p:blipFill>
+        <p:spPr>
+          <a:xfrm>
+            <a:off x="1185915" y="3879541"/>
+            <a:ext cx="7192379" cy="2327387"/>
+          </a:xfrm>
+          <a:prstGeom prst="rect">
+            <a:avLst/>
+          </a:prstGeom>
+        </p:spPr>
+      </p:pic>
     </p:spTree>
     <p:extLst>
       <p:ext uri="{BB962C8B-B14F-4D97-AF65-F5344CB8AC3E}">
@@ -3170,8 +3234,8 @@
         </p:blipFill>
         <p:spPr>
           <a:xfrm>
-            <a:off x="299547" y="371100"/>
-            <a:ext cx="4212543" cy="3235141"/>
+            <a:off x="280392" y="278487"/>
+            <a:ext cx="4315427" cy="2406351"/>
           </a:xfrm>
           <a:prstGeom prst="rect">
             <a:avLst/>
@@ -3194,56 +3258,71 @@
         </p:blipFill>
         <p:spPr>
           <a:xfrm>
-            <a:off x="609134" y="4167072"/>
-            <a:ext cx="4001059" cy="1000265"/>
+            <a:off x="5312126" y="373818"/>
+            <a:ext cx="3326594" cy="2709288"/>
           </a:xfrm>
           <a:prstGeom prst="rect">
             <a:avLst/>
           </a:prstGeom>
         </p:spPr>
       </p:pic>
+      <p:sp>
+        <p:nvSpPr>
+          <p:cNvPr id="2" name="직사각형 1"/>
+          <p:cNvSpPr/>
+          <p:nvPr/>
+        </p:nvSpPr>
+        <p:spPr>
+          <a:xfrm>
+            <a:off x="4167427" y="3244334"/>
+            <a:ext cx="3857146" cy="369332"/>
+          </a:xfrm>
+          <a:prstGeom prst="rect">
+            <a:avLst/>
+          </a:prstGeom>
+        </p:spPr>
+        <p:txBody>
+          <a:bodyPr wrap="none">
+            <a:spAutoFit/>
+          </a:bodyPr>
+          <a:lstStyle/>
+          <a:p>
+            <a:r>
+              <a:rPr lang="en-US" altLang="ko-KR" dirty="0">
+                <a:solidFill>
+                  <a:srgbClr val="CCCCCC"/>
+                </a:solidFill>
+                <a:latin typeface="Consolas" panose="020B0609020204030204" pitchFamily="49" charset="0"/>
+              </a:rPr>
+              <a:t>03_04_bertviz_neuron_view.png</a:t>
+            </a:r>
+            <a:endParaRPr lang="en-US" altLang="ko-KR" b="0" dirty="0">
+              <a:solidFill>
+                <a:srgbClr val="CCCCCC"/>
+              </a:solidFill>
+              <a:effectLst/>
+              <a:latin typeface="Consolas" panose="020B0609020204030204" pitchFamily="49" charset="0"/>
+            </a:endParaRPr>
+          </a:p>
+        </p:txBody>
+      </p:sp>
       <p:pic>
         <p:nvPicPr>
-          <p:cNvPr id="6" name="그림 5"/>
+          <p:cNvPr id="3" name="그림 2"/>
           <p:cNvPicPr>
             <a:picLocks noChangeAspect="1"/>
           </p:cNvPicPr>
           <p:nvPr/>
         </p:nvPicPr>
-        <p:blipFill>
+        <p:blipFill rotWithShape="1">
           <a:blip r:embed="rId4"/>
-          <a:stretch>
-            <a:fillRect/>
-          </a:stretch>
+          <a:srcRect t="14277"/>
+          <a:stretch/>
         </p:blipFill>
         <p:spPr>
           <a:xfrm>
-            <a:off x="5495647" y="371100"/>
-            <a:ext cx="2389204" cy="2389204"/>
-          </a:xfrm>
-          <a:prstGeom prst="rect">
-            <a:avLst/>
-          </a:prstGeom>
-        </p:spPr>
-      </p:pic>
-      <p:pic>
-        <p:nvPicPr>
-          <p:cNvPr id="7" name="그림 6"/>
-          <p:cNvPicPr>
-            <a:picLocks noChangeAspect="1"/>
-          </p:cNvPicPr>
-          <p:nvPr/>
-        </p:nvPicPr>
-        <p:blipFill>
-          <a:blip r:embed="rId5"/>
-          <a:stretch>
-            <a:fillRect/>
-          </a:stretch>
-        </p:blipFill>
-        <p:spPr>
-          <a:xfrm>
-            <a:off x="5323983" y="3002913"/>
-            <a:ext cx="4229690" cy="2172003"/>
+            <a:off x="1185915" y="3879541"/>
+            <a:ext cx="7192379" cy="2327387"/>
           </a:xfrm>
           <a:prstGeom prst="rect">
             <a:avLst/>
@@ -3253,7 +3332,7 @@
     </p:spTree>
     <p:extLst>
       <p:ext uri="{BB962C8B-B14F-4D97-AF65-F5344CB8AC3E}">
-        <p14:creationId xmlns:p14="http://schemas.microsoft.com/office/powerpoint/2010/main" val="2628583716"/>
+        <p14:creationId xmlns:p14="http://schemas.microsoft.com/office/powerpoint/2010/main" val="1575043608"/>
       </p:ext>
     </p:extLst>
   </p:cSld>
@@ -3296,8 +3375,80 @@
         </p:blipFill>
         <p:spPr>
           <a:xfrm>
-            <a:off x="813880" y="385493"/>
-            <a:ext cx="7268589" cy="3858163"/>
+            <a:off x="299547" y="371100"/>
+            <a:ext cx="4212543" cy="3235141"/>
+          </a:xfrm>
+          <a:prstGeom prst="rect">
+            <a:avLst/>
+          </a:prstGeom>
+        </p:spPr>
+      </p:pic>
+      <p:pic>
+        <p:nvPicPr>
+          <p:cNvPr id="5" name="그림 4"/>
+          <p:cNvPicPr>
+            <a:picLocks noChangeAspect="1"/>
+          </p:cNvPicPr>
+          <p:nvPr/>
+        </p:nvPicPr>
+        <p:blipFill>
+          <a:blip r:embed="rId3"/>
+          <a:stretch>
+            <a:fillRect/>
+          </a:stretch>
+        </p:blipFill>
+        <p:spPr>
+          <a:xfrm>
+            <a:off x="609134" y="4167072"/>
+            <a:ext cx="4001059" cy="1000265"/>
+          </a:xfrm>
+          <a:prstGeom prst="rect">
+            <a:avLst/>
+          </a:prstGeom>
+        </p:spPr>
+      </p:pic>
+      <p:pic>
+        <p:nvPicPr>
+          <p:cNvPr id="6" name="그림 5"/>
+          <p:cNvPicPr>
+            <a:picLocks noChangeAspect="1"/>
+          </p:cNvPicPr>
+          <p:nvPr/>
+        </p:nvPicPr>
+        <p:blipFill>
+          <a:blip r:embed="rId4"/>
+          <a:stretch>
+            <a:fillRect/>
+          </a:stretch>
+        </p:blipFill>
+        <p:spPr>
+          <a:xfrm>
+            <a:off x="5495647" y="371100"/>
+            <a:ext cx="2389204" cy="2389204"/>
+          </a:xfrm>
+          <a:prstGeom prst="rect">
+            <a:avLst/>
+          </a:prstGeom>
+        </p:spPr>
+      </p:pic>
+      <p:pic>
+        <p:nvPicPr>
+          <p:cNvPr id="7" name="그림 6"/>
+          <p:cNvPicPr>
+            <a:picLocks noChangeAspect="1"/>
+          </p:cNvPicPr>
+          <p:nvPr/>
+        </p:nvPicPr>
+        <p:blipFill>
+          <a:blip r:embed="rId5"/>
+          <a:stretch>
+            <a:fillRect/>
+          </a:stretch>
+        </p:blipFill>
+        <p:spPr>
+          <a:xfrm>
+            <a:off x="5323983" y="3002913"/>
+            <a:ext cx="4229690" cy="2172003"/>
           </a:xfrm>
           <a:prstGeom prst="rect">
             <a:avLst/>
@@ -3307,7 +3458,7 @@
     </p:spTree>
     <p:extLst>
       <p:ext uri="{BB962C8B-B14F-4D97-AF65-F5344CB8AC3E}">
-        <p14:creationId xmlns:p14="http://schemas.microsoft.com/office/powerpoint/2010/main" val="2668780768"/>
+        <p14:creationId xmlns:p14="http://schemas.microsoft.com/office/powerpoint/2010/main" val="2628583716"/>
       </p:ext>
     </p:extLst>
   </p:cSld>
@@ -3350,6 +3501,60 @@
         </p:blipFill>
         <p:spPr>
           <a:xfrm>
+            <a:off x="813880" y="385493"/>
+            <a:ext cx="7268589" cy="3858163"/>
+          </a:xfrm>
+          <a:prstGeom prst="rect">
+            <a:avLst/>
+          </a:prstGeom>
+        </p:spPr>
+      </p:pic>
+    </p:spTree>
+    <p:extLst>
+      <p:ext uri="{BB962C8B-B14F-4D97-AF65-F5344CB8AC3E}">
+        <p14:creationId xmlns:p14="http://schemas.microsoft.com/office/powerpoint/2010/main" val="2668780768"/>
+      </p:ext>
+    </p:extLst>
+  </p:cSld>
+  <p:clrMapOvr>
+    <a:masterClrMapping/>
+  </p:clrMapOvr>
+</p:sld>
+</file>
+
+<file path=ppt/slides/slide6.xml><?xml version="1.0" encoding="utf-8"?>
+<p:sld xmlns:a="http://schemas.openxmlformats.org/drawingml/2006/main" xmlns:r="http://schemas.openxmlformats.org/officeDocument/2006/relationships" xmlns:p="http://schemas.openxmlformats.org/presentationml/2006/main">
+  <p:cSld>
+    <p:spTree>
+      <p:nvGrpSpPr>
+        <p:cNvPr id="1" name=""/>
+        <p:cNvGrpSpPr/>
+        <p:nvPr/>
+      </p:nvGrpSpPr>
+      <p:grpSpPr>
+        <a:xfrm>
+          <a:off x="0" y="0"/>
+          <a:ext cx="0" cy="0"/>
+          <a:chOff x="0" y="0"/>
+          <a:chExt cx="0" cy="0"/>
+        </a:xfrm>
+      </p:grpSpPr>
+      <p:pic>
+        <p:nvPicPr>
+          <p:cNvPr id="4" name="그림 3"/>
+          <p:cNvPicPr>
+            <a:picLocks noChangeAspect="1"/>
+          </p:cNvPicPr>
+          <p:nvPr/>
+        </p:nvPicPr>
+        <p:blipFill>
+          <a:blip r:embed="rId2"/>
+          <a:stretch>
+            <a:fillRect/>
+          </a:stretch>
+        </p:blipFill>
+        <p:spPr>
+          <a:xfrm>
             <a:off x="656405" y="419195"/>
             <a:ext cx="3086531" cy="1960519"/>
           </a:xfrm>
@@ -3467,7 +3672,7 @@
 </p:sld>
 </file>
 
-<file path=ppt/slides/slide6.xml><?xml version="1.0" encoding="utf-8"?>
+<file path=ppt/slides/slide7.xml><?xml version="1.0" encoding="utf-8"?>
 <p:sld xmlns:a="http://schemas.openxmlformats.org/drawingml/2006/main" xmlns:r="http://schemas.openxmlformats.org/officeDocument/2006/relationships" xmlns:p="http://schemas.openxmlformats.org/presentationml/2006/main">
   <p:cSld>
     <p:spTree>

--- a/image/이미지 생성용.pptx
+++ b/image/이미지 생성용.pptx
@@ -6,12 +6,13 @@
   </p:sldMasterIdLst>
   <p:sldIdLst>
     <p:sldId id="256" r:id="rId2"/>
-    <p:sldId id="261" r:id="rId3"/>
-    <p:sldId id="262" r:id="rId4"/>
-    <p:sldId id="257" r:id="rId5"/>
-    <p:sldId id="258" r:id="rId6"/>
-    <p:sldId id="259" r:id="rId7"/>
-    <p:sldId id="260" r:id="rId8"/>
+    <p:sldId id="263" r:id="rId3"/>
+    <p:sldId id="261" r:id="rId4"/>
+    <p:sldId id="262" r:id="rId5"/>
+    <p:sldId id="257" r:id="rId6"/>
+    <p:sldId id="258" r:id="rId7"/>
+    <p:sldId id="259" r:id="rId8"/>
+    <p:sldId id="260" r:id="rId9"/>
   </p:sldIdLst>
   <p:sldSz cx="12192000" cy="6858000"/>
   <p:notesSz cx="6858000" cy="9144000"/>
@@ -249,7 +250,7 @@
           <a:p>
             <a:fld id="{F0CD9246-440E-46C2-946E-50CD81230ED2}" type="datetimeFigureOut">
               <a:rPr lang="ko-KR" altLang="en-US" smtClean="0"/>
-              <a:t>2026-01-02</a:t>
+              <a:t>2026-01-05</a:t>
             </a:fld>
             <a:endParaRPr lang="ko-KR" altLang="en-US"/>
           </a:p>
@@ -419,7 +420,7 @@
           <a:p>
             <a:fld id="{F0CD9246-440E-46C2-946E-50CD81230ED2}" type="datetimeFigureOut">
               <a:rPr lang="ko-KR" altLang="en-US" smtClean="0"/>
-              <a:t>2026-01-02</a:t>
+              <a:t>2026-01-05</a:t>
             </a:fld>
             <a:endParaRPr lang="ko-KR" altLang="en-US"/>
           </a:p>
@@ -599,7 +600,7 @@
           <a:p>
             <a:fld id="{F0CD9246-440E-46C2-946E-50CD81230ED2}" type="datetimeFigureOut">
               <a:rPr lang="ko-KR" altLang="en-US" smtClean="0"/>
-              <a:t>2026-01-02</a:t>
+              <a:t>2026-01-05</a:t>
             </a:fld>
             <a:endParaRPr lang="ko-KR" altLang="en-US"/>
           </a:p>
@@ -769,7 +770,7 @@
           <a:p>
             <a:fld id="{F0CD9246-440E-46C2-946E-50CD81230ED2}" type="datetimeFigureOut">
               <a:rPr lang="ko-KR" altLang="en-US" smtClean="0"/>
-              <a:t>2026-01-02</a:t>
+              <a:t>2026-01-05</a:t>
             </a:fld>
             <a:endParaRPr lang="ko-KR" altLang="en-US"/>
           </a:p>
@@ -1015,7 +1016,7 @@
           <a:p>
             <a:fld id="{F0CD9246-440E-46C2-946E-50CD81230ED2}" type="datetimeFigureOut">
               <a:rPr lang="ko-KR" altLang="en-US" smtClean="0"/>
-              <a:t>2026-01-02</a:t>
+              <a:t>2026-01-05</a:t>
             </a:fld>
             <a:endParaRPr lang="ko-KR" altLang="en-US"/>
           </a:p>
@@ -1247,7 +1248,7 @@
           <a:p>
             <a:fld id="{F0CD9246-440E-46C2-946E-50CD81230ED2}" type="datetimeFigureOut">
               <a:rPr lang="ko-KR" altLang="en-US" smtClean="0"/>
-              <a:t>2026-01-02</a:t>
+              <a:t>2026-01-05</a:t>
             </a:fld>
             <a:endParaRPr lang="ko-KR" altLang="en-US"/>
           </a:p>
@@ -1614,7 +1615,7 @@
           <a:p>
             <a:fld id="{F0CD9246-440E-46C2-946E-50CD81230ED2}" type="datetimeFigureOut">
               <a:rPr lang="ko-KR" altLang="en-US" smtClean="0"/>
-              <a:t>2026-01-02</a:t>
+              <a:t>2026-01-05</a:t>
             </a:fld>
             <a:endParaRPr lang="ko-KR" altLang="en-US"/>
           </a:p>
@@ -1732,7 +1733,7 @@
           <a:p>
             <a:fld id="{F0CD9246-440E-46C2-946E-50CD81230ED2}" type="datetimeFigureOut">
               <a:rPr lang="ko-KR" altLang="en-US" smtClean="0"/>
-              <a:t>2026-01-02</a:t>
+              <a:t>2026-01-05</a:t>
             </a:fld>
             <a:endParaRPr lang="ko-KR" altLang="en-US"/>
           </a:p>
@@ -1827,7 +1828,7 @@
           <a:p>
             <a:fld id="{F0CD9246-440E-46C2-946E-50CD81230ED2}" type="datetimeFigureOut">
               <a:rPr lang="ko-KR" altLang="en-US" smtClean="0"/>
-              <a:t>2026-01-02</a:t>
+              <a:t>2026-01-05</a:t>
             </a:fld>
             <a:endParaRPr lang="ko-KR" altLang="en-US"/>
           </a:p>
@@ -2104,7 +2105,7 @@
           <a:p>
             <a:fld id="{F0CD9246-440E-46C2-946E-50CD81230ED2}" type="datetimeFigureOut">
               <a:rPr lang="ko-KR" altLang="en-US" smtClean="0"/>
-              <a:t>2026-01-02</a:t>
+              <a:t>2026-01-05</a:t>
             </a:fld>
             <a:endParaRPr lang="ko-KR" altLang="en-US"/>
           </a:p>
@@ -2357,7 +2358,7 @@
           <a:p>
             <a:fld id="{F0CD9246-440E-46C2-946E-50CD81230ED2}" type="datetimeFigureOut">
               <a:rPr lang="ko-KR" altLang="en-US" smtClean="0"/>
-              <a:t>2026-01-02</a:t>
+              <a:t>2026-01-05</a:t>
             </a:fld>
             <a:endParaRPr lang="ko-KR" altLang="en-US"/>
           </a:p>
@@ -2570,7 +2571,7 @@
           <a:p>
             <a:fld id="{F0CD9246-440E-46C2-946E-50CD81230ED2}" type="datetimeFigureOut">
               <a:rPr lang="ko-KR" altLang="en-US" smtClean="0"/>
-              <a:t>2026-01-02</a:t>
+              <a:t>2026-01-05</a:t>
             </a:fld>
             <a:endParaRPr lang="ko-KR" altLang="en-US"/>
           </a:p>
@@ -3077,121 +3078,10 @@
           <a:chExt cx="0" cy="0"/>
         </a:xfrm>
       </p:grpSpPr>
-      <p:pic>
-        <p:nvPicPr>
-          <p:cNvPr id="4" name="그림 3"/>
-          <p:cNvPicPr>
-            <a:picLocks noChangeAspect="1"/>
-          </p:cNvPicPr>
-          <p:nvPr/>
-        </p:nvPicPr>
-        <p:blipFill>
-          <a:blip r:embed="rId2"/>
-          <a:stretch>
-            <a:fillRect/>
-          </a:stretch>
-        </p:blipFill>
-        <p:spPr>
-          <a:xfrm>
-            <a:off x="280392" y="278487"/>
-            <a:ext cx="4315427" cy="2406351"/>
-          </a:xfrm>
-          <a:prstGeom prst="rect">
-            <a:avLst/>
-          </a:prstGeom>
-        </p:spPr>
-      </p:pic>
-      <p:pic>
-        <p:nvPicPr>
-          <p:cNvPr id="5" name="그림 4"/>
-          <p:cNvPicPr>
-            <a:picLocks noChangeAspect="1"/>
-          </p:cNvPicPr>
-          <p:nvPr/>
-        </p:nvPicPr>
-        <p:blipFill>
-          <a:blip r:embed="rId3"/>
-          <a:stretch>
-            <a:fillRect/>
-          </a:stretch>
-        </p:blipFill>
-        <p:spPr>
-          <a:xfrm>
-            <a:off x="5312126" y="373818"/>
-            <a:ext cx="3326594" cy="2709288"/>
-          </a:xfrm>
-          <a:prstGeom prst="rect">
-            <a:avLst/>
-          </a:prstGeom>
-        </p:spPr>
-      </p:pic>
-      <p:sp>
-        <p:nvSpPr>
-          <p:cNvPr id="2" name="직사각형 1"/>
-          <p:cNvSpPr/>
-          <p:nvPr/>
-        </p:nvSpPr>
-        <p:spPr>
-          <a:xfrm>
-            <a:off x="4167427" y="3244334"/>
-            <a:ext cx="3857146" cy="369332"/>
-          </a:xfrm>
-          <a:prstGeom prst="rect">
-            <a:avLst/>
-          </a:prstGeom>
-        </p:spPr>
-        <p:txBody>
-          <a:bodyPr wrap="none">
-            <a:spAutoFit/>
-          </a:bodyPr>
-          <a:lstStyle/>
-          <a:p>
-            <a:r>
-              <a:rPr lang="en-US" altLang="ko-KR" dirty="0">
-                <a:solidFill>
-                  <a:srgbClr val="CCCCCC"/>
-                </a:solidFill>
-                <a:latin typeface="Consolas" panose="020B0609020204030204" pitchFamily="49" charset="0"/>
-              </a:rPr>
-              <a:t>03_04_bertviz_neuron_view.png</a:t>
-            </a:r>
-            <a:endParaRPr lang="en-US" altLang="ko-KR" b="0" dirty="0">
-              <a:solidFill>
-                <a:srgbClr val="CCCCCC"/>
-              </a:solidFill>
-              <a:effectLst/>
-              <a:latin typeface="Consolas" panose="020B0609020204030204" pitchFamily="49" charset="0"/>
-            </a:endParaRPr>
-          </a:p>
-        </p:txBody>
-      </p:sp>
-      <p:pic>
-        <p:nvPicPr>
-          <p:cNvPr id="3" name="그림 2"/>
-          <p:cNvPicPr>
-            <a:picLocks noChangeAspect="1"/>
-          </p:cNvPicPr>
-          <p:nvPr/>
-        </p:nvPicPr>
-        <p:blipFill rotWithShape="1">
-          <a:blip r:embed="rId4"/>
-          <a:srcRect t="14277"/>
-          <a:stretch/>
-        </p:blipFill>
-        <p:spPr>
-          <a:xfrm>
-            <a:off x="1185915" y="3879541"/>
-            <a:ext cx="7192379" cy="2327387"/>
-          </a:xfrm>
-          <a:prstGeom prst="rect">
-            <a:avLst/>
-          </a:prstGeom>
-        </p:spPr>
-      </p:pic>
     </p:spTree>
     <p:extLst>
       <p:ext uri="{BB962C8B-B14F-4D97-AF65-F5344CB8AC3E}">
-        <p14:creationId xmlns:p14="http://schemas.microsoft.com/office/powerpoint/2010/main" val="4024031726"/>
+        <p14:creationId xmlns:p14="http://schemas.microsoft.com/office/powerpoint/2010/main" val="887493065"/>
       </p:ext>
     </p:extLst>
   </p:cSld>
@@ -3332,7 +3222,7 @@
     </p:spTree>
     <p:extLst>
       <p:ext uri="{BB962C8B-B14F-4D97-AF65-F5344CB8AC3E}">
-        <p14:creationId xmlns:p14="http://schemas.microsoft.com/office/powerpoint/2010/main" val="1575043608"/>
+        <p14:creationId xmlns:p14="http://schemas.microsoft.com/office/powerpoint/2010/main" val="4024031726"/>
       </p:ext>
     </p:extLst>
   </p:cSld>
@@ -3375,8 +3265,8 @@
         </p:blipFill>
         <p:spPr>
           <a:xfrm>
-            <a:off x="299547" y="371100"/>
-            <a:ext cx="4212543" cy="3235141"/>
+            <a:off x="280392" y="278487"/>
+            <a:ext cx="4315427" cy="2406351"/>
           </a:xfrm>
           <a:prstGeom prst="rect">
             <a:avLst/>
@@ -3399,56 +3289,71 @@
         </p:blipFill>
         <p:spPr>
           <a:xfrm>
-            <a:off x="609134" y="4167072"/>
-            <a:ext cx="4001059" cy="1000265"/>
+            <a:off x="5312126" y="373818"/>
+            <a:ext cx="3326594" cy="2709288"/>
           </a:xfrm>
           <a:prstGeom prst="rect">
             <a:avLst/>
           </a:prstGeom>
         </p:spPr>
       </p:pic>
+      <p:sp>
+        <p:nvSpPr>
+          <p:cNvPr id="2" name="직사각형 1"/>
+          <p:cNvSpPr/>
+          <p:nvPr/>
+        </p:nvSpPr>
+        <p:spPr>
+          <a:xfrm>
+            <a:off x="4167427" y="3244334"/>
+            <a:ext cx="3857146" cy="369332"/>
+          </a:xfrm>
+          <a:prstGeom prst="rect">
+            <a:avLst/>
+          </a:prstGeom>
+        </p:spPr>
+        <p:txBody>
+          <a:bodyPr wrap="none">
+            <a:spAutoFit/>
+          </a:bodyPr>
+          <a:lstStyle/>
+          <a:p>
+            <a:r>
+              <a:rPr lang="en-US" altLang="ko-KR" dirty="0">
+                <a:solidFill>
+                  <a:srgbClr val="CCCCCC"/>
+                </a:solidFill>
+                <a:latin typeface="Consolas" panose="020B0609020204030204" pitchFamily="49" charset="0"/>
+              </a:rPr>
+              <a:t>03_04_bertviz_neuron_view.png</a:t>
+            </a:r>
+            <a:endParaRPr lang="en-US" altLang="ko-KR" b="0" dirty="0">
+              <a:solidFill>
+                <a:srgbClr val="CCCCCC"/>
+              </a:solidFill>
+              <a:effectLst/>
+              <a:latin typeface="Consolas" panose="020B0609020204030204" pitchFamily="49" charset="0"/>
+            </a:endParaRPr>
+          </a:p>
+        </p:txBody>
+      </p:sp>
       <p:pic>
         <p:nvPicPr>
-          <p:cNvPr id="6" name="그림 5"/>
+          <p:cNvPr id="3" name="그림 2"/>
           <p:cNvPicPr>
             <a:picLocks noChangeAspect="1"/>
           </p:cNvPicPr>
           <p:nvPr/>
         </p:nvPicPr>
-        <p:blipFill>
+        <p:blipFill rotWithShape="1">
           <a:blip r:embed="rId4"/>
-          <a:stretch>
-            <a:fillRect/>
-          </a:stretch>
+          <a:srcRect t="14277"/>
+          <a:stretch/>
         </p:blipFill>
         <p:spPr>
           <a:xfrm>
-            <a:off x="5495647" y="371100"/>
-            <a:ext cx="2389204" cy="2389204"/>
-          </a:xfrm>
-          <a:prstGeom prst="rect">
-            <a:avLst/>
-          </a:prstGeom>
-        </p:spPr>
-      </p:pic>
-      <p:pic>
-        <p:nvPicPr>
-          <p:cNvPr id="7" name="그림 6"/>
-          <p:cNvPicPr>
-            <a:picLocks noChangeAspect="1"/>
-          </p:cNvPicPr>
-          <p:nvPr/>
-        </p:nvPicPr>
-        <p:blipFill>
-          <a:blip r:embed="rId5"/>
-          <a:stretch>
-            <a:fillRect/>
-          </a:stretch>
-        </p:blipFill>
-        <p:spPr>
-          <a:xfrm>
-            <a:off x="5323983" y="3002913"/>
-            <a:ext cx="4229690" cy="2172003"/>
+            <a:off x="1185915" y="3879541"/>
+            <a:ext cx="7192379" cy="2327387"/>
           </a:xfrm>
           <a:prstGeom prst="rect">
             <a:avLst/>
@@ -3458,7 +3363,7 @@
     </p:spTree>
     <p:extLst>
       <p:ext uri="{BB962C8B-B14F-4D97-AF65-F5344CB8AC3E}">
-        <p14:creationId xmlns:p14="http://schemas.microsoft.com/office/powerpoint/2010/main" val="2628583716"/>
+        <p14:creationId xmlns:p14="http://schemas.microsoft.com/office/powerpoint/2010/main" val="1575043608"/>
       </p:ext>
     </p:extLst>
   </p:cSld>
@@ -3501,8 +3406,80 @@
         </p:blipFill>
         <p:spPr>
           <a:xfrm>
-            <a:off x="813880" y="385493"/>
-            <a:ext cx="7268589" cy="3858163"/>
+            <a:off x="299547" y="371100"/>
+            <a:ext cx="4212543" cy="3235141"/>
+          </a:xfrm>
+          <a:prstGeom prst="rect">
+            <a:avLst/>
+          </a:prstGeom>
+        </p:spPr>
+      </p:pic>
+      <p:pic>
+        <p:nvPicPr>
+          <p:cNvPr id="5" name="그림 4"/>
+          <p:cNvPicPr>
+            <a:picLocks noChangeAspect="1"/>
+          </p:cNvPicPr>
+          <p:nvPr/>
+        </p:nvPicPr>
+        <p:blipFill>
+          <a:blip r:embed="rId3"/>
+          <a:stretch>
+            <a:fillRect/>
+          </a:stretch>
+        </p:blipFill>
+        <p:spPr>
+          <a:xfrm>
+            <a:off x="609134" y="4167072"/>
+            <a:ext cx="4001059" cy="1000265"/>
+          </a:xfrm>
+          <a:prstGeom prst="rect">
+            <a:avLst/>
+          </a:prstGeom>
+        </p:spPr>
+      </p:pic>
+      <p:pic>
+        <p:nvPicPr>
+          <p:cNvPr id="6" name="그림 5"/>
+          <p:cNvPicPr>
+            <a:picLocks noChangeAspect="1"/>
+          </p:cNvPicPr>
+          <p:nvPr/>
+        </p:nvPicPr>
+        <p:blipFill>
+          <a:blip r:embed="rId4"/>
+          <a:stretch>
+            <a:fillRect/>
+          </a:stretch>
+        </p:blipFill>
+        <p:spPr>
+          <a:xfrm>
+            <a:off x="5495647" y="371100"/>
+            <a:ext cx="2389204" cy="2389204"/>
+          </a:xfrm>
+          <a:prstGeom prst="rect">
+            <a:avLst/>
+          </a:prstGeom>
+        </p:spPr>
+      </p:pic>
+      <p:pic>
+        <p:nvPicPr>
+          <p:cNvPr id="7" name="그림 6"/>
+          <p:cNvPicPr>
+            <a:picLocks noChangeAspect="1"/>
+          </p:cNvPicPr>
+          <p:nvPr/>
+        </p:nvPicPr>
+        <p:blipFill>
+          <a:blip r:embed="rId5"/>
+          <a:stretch>
+            <a:fillRect/>
+          </a:stretch>
+        </p:blipFill>
+        <p:spPr>
+          <a:xfrm>
+            <a:off x="5323983" y="3002913"/>
+            <a:ext cx="4229690" cy="2172003"/>
           </a:xfrm>
           <a:prstGeom prst="rect">
             <a:avLst/>
@@ -3512,7 +3489,7 @@
     </p:spTree>
     <p:extLst>
       <p:ext uri="{BB962C8B-B14F-4D97-AF65-F5344CB8AC3E}">
-        <p14:creationId xmlns:p14="http://schemas.microsoft.com/office/powerpoint/2010/main" val="2668780768"/>
+        <p14:creationId xmlns:p14="http://schemas.microsoft.com/office/powerpoint/2010/main" val="2628583716"/>
       </p:ext>
     </p:extLst>
   </p:cSld>
@@ -3555,6 +3532,60 @@
         </p:blipFill>
         <p:spPr>
           <a:xfrm>
+            <a:off x="813880" y="385493"/>
+            <a:ext cx="7268589" cy="3858163"/>
+          </a:xfrm>
+          <a:prstGeom prst="rect">
+            <a:avLst/>
+          </a:prstGeom>
+        </p:spPr>
+      </p:pic>
+    </p:spTree>
+    <p:extLst>
+      <p:ext uri="{BB962C8B-B14F-4D97-AF65-F5344CB8AC3E}">
+        <p14:creationId xmlns:p14="http://schemas.microsoft.com/office/powerpoint/2010/main" val="2668780768"/>
+      </p:ext>
+    </p:extLst>
+  </p:cSld>
+  <p:clrMapOvr>
+    <a:masterClrMapping/>
+  </p:clrMapOvr>
+</p:sld>
+</file>
+
+<file path=ppt/slides/slide7.xml><?xml version="1.0" encoding="utf-8"?>
+<p:sld xmlns:a="http://schemas.openxmlformats.org/drawingml/2006/main" xmlns:r="http://schemas.openxmlformats.org/officeDocument/2006/relationships" xmlns:p="http://schemas.openxmlformats.org/presentationml/2006/main">
+  <p:cSld>
+    <p:spTree>
+      <p:nvGrpSpPr>
+        <p:cNvPr id="1" name=""/>
+        <p:cNvGrpSpPr/>
+        <p:nvPr/>
+      </p:nvGrpSpPr>
+      <p:grpSpPr>
+        <a:xfrm>
+          <a:off x="0" y="0"/>
+          <a:ext cx="0" cy="0"/>
+          <a:chOff x="0" y="0"/>
+          <a:chExt cx="0" cy="0"/>
+        </a:xfrm>
+      </p:grpSpPr>
+      <p:pic>
+        <p:nvPicPr>
+          <p:cNvPr id="4" name="그림 3"/>
+          <p:cNvPicPr>
+            <a:picLocks noChangeAspect="1"/>
+          </p:cNvPicPr>
+          <p:nvPr/>
+        </p:nvPicPr>
+        <p:blipFill>
+          <a:blip r:embed="rId2"/>
+          <a:stretch>
+            <a:fillRect/>
+          </a:stretch>
+        </p:blipFill>
+        <p:spPr>
+          <a:xfrm>
             <a:off x="656405" y="419195"/>
             <a:ext cx="3086531" cy="1960519"/>
           </a:xfrm>
@@ -3672,7 +3703,7 @@
 </p:sld>
 </file>
 
-<file path=ppt/slides/slide7.xml><?xml version="1.0" encoding="utf-8"?>
+<file path=ppt/slides/slide8.xml><?xml version="1.0" encoding="utf-8"?>
 <p:sld xmlns:a="http://schemas.openxmlformats.org/drawingml/2006/main" xmlns:r="http://schemas.openxmlformats.org/officeDocument/2006/relationships" xmlns:p="http://schemas.openxmlformats.org/presentationml/2006/main">
   <p:cSld>
     <p:spTree>

--- a/image/이미지 생성용.pptx
+++ b/image/이미지 생성용.pptx
@@ -3078,6 +3078,54 @@
           <a:chExt cx="0" cy="0"/>
         </a:xfrm>
       </p:grpSpPr>
+      <p:pic>
+        <p:nvPicPr>
+          <p:cNvPr id="4" name="그림 3"/>
+          <p:cNvPicPr>
+            <a:picLocks noChangeAspect="1"/>
+          </p:cNvPicPr>
+          <p:nvPr/>
+        </p:nvPicPr>
+        <p:blipFill>
+          <a:blip r:embed="rId2"/>
+          <a:stretch>
+            <a:fillRect/>
+          </a:stretch>
+        </p:blipFill>
+        <p:spPr>
+          <a:xfrm>
+            <a:off x="655793" y="311328"/>
+            <a:ext cx="5944430" cy="2524477"/>
+          </a:xfrm>
+          <a:prstGeom prst="rect">
+            <a:avLst/>
+          </a:prstGeom>
+        </p:spPr>
+      </p:pic>
+      <p:pic>
+        <p:nvPicPr>
+          <p:cNvPr id="5" name="그림 4"/>
+          <p:cNvPicPr>
+            <a:picLocks noChangeAspect="1"/>
+          </p:cNvPicPr>
+          <p:nvPr/>
+        </p:nvPicPr>
+        <p:blipFill>
+          <a:blip r:embed="rId3"/>
+          <a:stretch>
+            <a:fillRect/>
+          </a:stretch>
+        </p:blipFill>
+        <p:spPr>
+          <a:xfrm>
+            <a:off x="543627" y="3097193"/>
+            <a:ext cx="5849166" cy="2705478"/>
+          </a:xfrm>
+          <a:prstGeom prst="rect">
+            <a:avLst/>
+          </a:prstGeom>
+        </p:spPr>
+      </p:pic>
     </p:spTree>
     <p:extLst>
       <p:ext uri="{BB962C8B-B14F-4D97-AF65-F5344CB8AC3E}">

--- a/image/이미지 생성용.pptx
+++ b/image/이미지 생성용.pptx
@@ -6,13 +6,14 @@
   </p:sldMasterIdLst>
   <p:sldIdLst>
     <p:sldId id="256" r:id="rId2"/>
-    <p:sldId id="263" r:id="rId3"/>
-    <p:sldId id="261" r:id="rId4"/>
-    <p:sldId id="262" r:id="rId5"/>
-    <p:sldId id="257" r:id="rId6"/>
-    <p:sldId id="258" r:id="rId7"/>
-    <p:sldId id="259" r:id="rId8"/>
-    <p:sldId id="260" r:id="rId9"/>
+    <p:sldId id="264" r:id="rId3"/>
+    <p:sldId id="263" r:id="rId4"/>
+    <p:sldId id="261" r:id="rId5"/>
+    <p:sldId id="262" r:id="rId6"/>
+    <p:sldId id="257" r:id="rId7"/>
+    <p:sldId id="258" r:id="rId8"/>
+    <p:sldId id="259" r:id="rId9"/>
+    <p:sldId id="260" r:id="rId10"/>
   </p:sldIdLst>
   <p:sldSz cx="12192000" cy="6858000"/>
   <p:notesSz cx="6858000" cy="9144000"/>
@@ -250,7 +251,7 @@
           <a:p>
             <a:fld id="{F0CD9246-440E-46C2-946E-50CD81230ED2}" type="datetimeFigureOut">
               <a:rPr lang="ko-KR" altLang="en-US" smtClean="0"/>
-              <a:t>2026-01-05</a:t>
+              <a:t>2026-01-08</a:t>
             </a:fld>
             <a:endParaRPr lang="ko-KR" altLang="en-US"/>
           </a:p>
@@ -420,7 +421,7 @@
           <a:p>
             <a:fld id="{F0CD9246-440E-46C2-946E-50CD81230ED2}" type="datetimeFigureOut">
               <a:rPr lang="ko-KR" altLang="en-US" smtClean="0"/>
-              <a:t>2026-01-05</a:t>
+              <a:t>2026-01-08</a:t>
             </a:fld>
             <a:endParaRPr lang="ko-KR" altLang="en-US"/>
           </a:p>
@@ -600,7 +601,7 @@
           <a:p>
             <a:fld id="{F0CD9246-440E-46C2-946E-50CD81230ED2}" type="datetimeFigureOut">
               <a:rPr lang="ko-KR" altLang="en-US" smtClean="0"/>
-              <a:t>2026-01-05</a:t>
+              <a:t>2026-01-08</a:t>
             </a:fld>
             <a:endParaRPr lang="ko-KR" altLang="en-US"/>
           </a:p>
@@ -770,7 +771,7 @@
           <a:p>
             <a:fld id="{F0CD9246-440E-46C2-946E-50CD81230ED2}" type="datetimeFigureOut">
               <a:rPr lang="ko-KR" altLang="en-US" smtClean="0"/>
-              <a:t>2026-01-05</a:t>
+              <a:t>2026-01-08</a:t>
             </a:fld>
             <a:endParaRPr lang="ko-KR" altLang="en-US"/>
           </a:p>
@@ -1016,7 +1017,7 @@
           <a:p>
             <a:fld id="{F0CD9246-440E-46C2-946E-50CD81230ED2}" type="datetimeFigureOut">
               <a:rPr lang="ko-KR" altLang="en-US" smtClean="0"/>
-              <a:t>2026-01-05</a:t>
+              <a:t>2026-01-08</a:t>
             </a:fld>
             <a:endParaRPr lang="ko-KR" altLang="en-US"/>
           </a:p>
@@ -1248,7 +1249,7 @@
           <a:p>
             <a:fld id="{F0CD9246-440E-46C2-946E-50CD81230ED2}" type="datetimeFigureOut">
               <a:rPr lang="ko-KR" altLang="en-US" smtClean="0"/>
-              <a:t>2026-01-05</a:t>
+              <a:t>2026-01-08</a:t>
             </a:fld>
             <a:endParaRPr lang="ko-KR" altLang="en-US"/>
           </a:p>
@@ -1615,7 +1616,7 @@
           <a:p>
             <a:fld id="{F0CD9246-440E-46C2-946E-50CD81230ED2}" type="datetimeFigureOut">
               <a:rPr lang="ko-KR" altLang="en-US" smtClean="0"/>
-              <a:t>2026-01-05</a:t>
+              <a:t>2026-01-08</a:t>
             </a:fld>
             <a:endParaRPr lang="ko-KR" altLang="en-US"/>
           </a:p>
@@ -1733,7 +1734,7 @@
           <a:p>
             <a:fld id="{F0CD9246-440E-46C2-946E-50CD81230ED2}" type="datetimeFigureOut">
               <a:rPr lang="ko-KR" altLang="en-US" smtClean="0"/>
-              <a:t>2026-01-05</a:t>
+              <a:t>2026-01-08</a:t>
             </a:fld>
             <a:endParaRPr lang="ko-KR" altLang="en-US"/>
           </a:p>
@@ -1828,7 +1829,7 @@
           <a:p>
             <a:fld id="{F0CD9246-440E-46C2-946E-50CD81230ED2}" type="datetimeFigureOut">
               <a:rPr lang="ko-KR" altLang="en-US" smtClean="0"/>
-              <a:t>2026-01-05</a:t>
+              <a:t>2026-01-08</a:t>
             </a:fld>
             <a:endParaRPr lang="ko-KR" altLang="en-US"/>
           </a:p>
@@ -2105,7 +2106,7 @@
           <a:p>
             <a:fld id="{F0CD9246-440E-46C2-946E-50CD81230ED2}" type="datetimeFigureOut">
               <a:rPr lang="ko-KR" altLang="en-US" smtClean="0"/>
-              <a:t>2026-01-05</a:t>
+              <a:t>2026-01-08</a:t>
             </a:fld>
             <a:endParaRPr lang="ko-KR" altLang="en-US"/>
           </a:p>
@@ -2358,7 +2359,7 @@
           <a:p>
             <a:fld id="{F0CD9246-440E-46C2-946E-50CD81230ED2}" type="datetimeFigureOut">
               <a:rPr lang="ko-KR" altLang="en-US" smtClean="0"/>
-              <a:t>2026-01-05</a:t>
+              <a:t>2026-01-08</a:t>
             </a:fld>
             <a:endParaRPr lang="ko-KR" altLang="en-US"/>
           </a:p>
@@ -2571,7 +2572,7 @@
           <a:p>
             <a:fld id="{F0CD9246-440E-46C2-946E-50CD81230ED2}" type="datetimeFigureOut">
               <a:rPr lang="ko-KR" altLang="en-US" smtClean="0"/>
-              <a:t>2026-01-05</a:t>
+              <a:t>2026-01-08</a:t>
             </a:fld>
             <a:endParaRPr lang="ko-KR" altLang="en-US"/>
           </a:p>
@@ -3080,7 +3081,7 @@
       </p:grpSpPr>
       <p:pic>
         <p:nvPicPr>
-          <p:cNvPr id="4" name="그림 3"/>
+          <p:cNvPr id="2" name="그림 1"/>
           <p:cNvPicPr>
             <a:picLocks noChangeAspect="1"/>
           </p:cNvPicPr>
@@ -3094,8 +3095,8 @@
         </p:blipFill>
         <p:spPr>
           <a:xfrm>
-            <a:off x="655793" y="311328"/>
-            <a:ext cx="5944430" cy="2524477"/>
+            <a:off x="313513" y="293630"/>
+            <a:ext cx="7001852" cy="3696216"/>
           </a:xfrm>
           <a:prstGeom prst="rect">
             <a:avLst/>
@@ -3104,7 +3105,7 @@
       </p:pic>
       <p:pic>
         <p:nvPicPr>
-          <p:cNvPr id="5" name="그림 4"/>
+          <p:cNvPr id="3" name="그림 2"/>
           <p:cNvPicPr>
             <a:picLocks noChangeAspect="1"/>
           </p:cNvPicPr>
@@ -3118,8 +3119,8 @@
         </p:blipFill>
         <p:spPr>
           <a:xfrm>
-            <a:off x="543627" y="3097193"/>
-            <a:ext cx="5849166" cy="2705478"/>
+            <a:off x="3300022" y="656838"/>
+            <a:ext cx="5591955" cy="5544324"/>
           </a:xfrm>
           <a:prstGeom prst="rect">
             <a:avLst/>
@@ -3129,7 +3130,7 @@
     </p:spTree>
     <p:extLst>
       <p:ext uri="{BB962C8B-B14F-4D97-AF65-F5344CB8AC3E}">
-        <p14:creationId xmlns:p14="http://schemas.microsoft.com/office/powerpoint/2010/main" val="887493065"/>
+        <p14:creationId xmlns:p14="http://schemas.microsoft.com/office/powerpoint/2010/main" val="2656977250"/>
       </p:ext>
     </p:extLst>
   </p:cSld>
@@ -3172,8 +3173,8 @@
         </p:blipFill>
         <p:spPr>
           <a:xfrm>
-            <a:off x="280392" y="278487"/>
-            <a:ext cx="4315427" cy="2406351"/>
+            <a:off x="655793" y="311328"/>
+            <a:ext cx="5944430" cy="2524477"/>
           </a:xfrm>
           <a:prstGeom prst="rect">
             <a:avLst/>
@@ -3196,71 +3197,8 @@
         </p:blipFill>
         <p:spPr>
           <a:xfrm>
-            <a:off x="5312126" y="373818"/>
-            <a:ext cx="3326594" cy="2709288"/>
-          </a:xfrm>
-          <a:prstGeom prst="rect">
-            <a:avLst/>
-          </a:prstGeom>
-        </p:spPr>
-      </p:pic>
-      <p:sp>
-        <p:nvSpPr>
-          <p:cNvPr id="2" name="직사각형 1"/>
-          <p:cNvSpPr/>
-          <p:nvPr/>
-        </p:nvSpPr>
-        <p:spPr>
-          <a:xfrm>
-            <a:off x="4167427" y="3244334"/>
-            <a:ext cx="3857146" cy="369332"/>
-          </a:xfrm>
-          <a:prstGeom prst="rect">
-            <a:avLst/>
-          </a:prstGeom>
-        </p:spPr>
-        <p:txBody>
-          <a:bodyPr wrap="none">
-            <a:spAutoFit/>
-          </a:bodyPr>
-          <a:lstStyle/>
-          <a:p>
-            <a:r>
-              <a:rPr lang="en-US" altLang="ko-KR" dirty="0">
-                <a:solidFill>
-                  <a:srgbClr val="CCCCCC"/>
-                </a:solidFill>
-                <a:latin typeface="Consolas" panose="020B0609020204030204" pitchFamily="49" charset="0"/>
-              </a:rPr>
-              <a:t>03_04_bertviz_neuron_view.png</a:t>
-            </a:r>
-            <a:endParaRPr lang="en-US" altLang="ko-KR" b="0" dirty="0">
-              <a:solidFill>
-                <a:srgbClr val="CCCCCC"/>
-              </a:solidFill>
-              <a:effectLst/>
-              <a:latin typeface="Consolas" panose="020B0609020204030204" pitchFamily="49" charset="0"/>
-            </a:endParaRPr>
-          </a:p>
-        </p:txBody>
-      </p:sp>
-      <p:pic>
-        <p:nvPicPr>
-          <p:cNvPr id="3" name="그림 2"/>
-          <p:cNvPicPr>
-            <a:picLocks noChangeAspect="1"/>
-          </p:cNvPicPr>
-          <p:nvPr/>
-        </p:nvPicPr>
-        <p:blipFill rotWithShape="1">
-          <a:blip r:embed="rId4"/>
-          <a:srcRect t="14277"/>
-          <a:stretch/>
-        </p:blipFill>
-        <p:spPr>
-          <a:xfrm>
-            <a:off x="1185915" y="3879541"/>
-            <a:ext cx="7192379" cy="2327387"/>
+            <a:off x="543627" y="3097193"/>
+            <a:ext cx="5849166" cy="2705478"/>
           </a:xfrm>
           <a:prstGeom prst="rect">
             <a:avLst/>
@@ -3270,7 +3208,7 @@
     </p:spTree>
     <p:extLst>
       <p:ext uri="{BB962C8B-B14F-4D97-AF65-F5344CB8AC3E}">
-        <p14:creationId xmlns:p14="http://schemas.microsoft.com/office/powerpoint/2010/main" val="4024031726"/>
+        <p14:creationId xmlns:p14="http://schemas.microsoft.com/office/powerpoint/2010/main" val="887493065"/>
       </p:ext>
     </p:extLst>
   </p:cSld>
@@ -3411,7 +3349,7 @@
     </p:spTree>
     <p:extLst>
       <p:ext uri="{BB962C8B-B14F-4D97-AF65-F5344CB8AC3E}">
-        <p14:creationId xmlns:p14="http://schemas.microsoft.com/office/powerpoint/2010/main" val="1575043608"/>
+        <p14:creationId xmlns:p14="http://schemas.microsoft.com/office/powerpoint/2010/main" val="4024031726"/>
       </p:ext>
     </p:extLst>
   </p:cSld>
@@ -3454,8 +3392,8 @@
         </p:blipFill>
         <p:spPr>
           <a:xfrm>
-            <a:off x="299547" y="371100"/>
-            <a:ext cx="4212543" cy="3235141"/>
+            <a:off x="280392" y="278487"/>
+            <a:ext cx="4315427" cy="2406351"/>
           </a:xfrm>
           <a:prstGeom prst="rect">
             <a:avLst/>
@@ -3478,56 +3416,71 @@
         </p:blipFill>
         <p:spPr>
           <a:xfrm>
-            <a:off x="609134" y="4167072"/>
-            <a:ext cx="4001059" cy="1000265"/>
+            <a:off x="5312126" y="373818"/>
+            <a:ext cx="3326594" cy="2709288"/>
           </a:xfrm>
           <a:prstGeom prst="rect">
             <a:avLst/>
           </a:prstGeom>
         </p:spPr>
       </p:pic>
+      <p:sp>
+        <p:nvSpPr>
+          <p:cNvPr id="2" name="직사각형 1"/>
+          <p:cNvSpPr/>
+          <p:nvPr/>
+        </p:nvSpPr>
+        <p:spPr>
+          <a:xfrm>
+            <a:off x="4167427" y="3244334"/>
+            <a:ext cx="3857146" cy="369332"/>
+          </a:xfrm>
+          <a:prstGeom prst="rect">
+            <a:avLst/>
+          </a:prstGeom>
+        </p:spPr>
+        <p:txBody>
+          <a:bodyPr wrap="none">
+            <a:spAutoFit/>
+          </a:bodyPr>
+          <a:lstStyle/>
+          <a:p>
+            <a:r>
+              <a:rPr lang="en-US" altLang="ko-KR" dirty="0">
+                <a:solidFill>
+                  <a:srgbClr val="CCCCCC"/>
+                </a:solidFill>
+                <a:latin typeface="Consolas" panose="020B0609020204030204" pitchFamily="49" charset="0"/>
+              </a:rPr>
+              <a:t>03_04_bertviz_neuron_view.png</a:t>
+            </a:r>
+            <a:endParaRPr lang="en-US" altLang="ko-KR" b="0" dirty="0">
+              <a:solidFill>
+                <a:srgbClr val="CCCCCC"/>
+              </a:solidFill>
+              <a:effectLst/>
+              <a:latin typeface="Consolas" panose="020B0609020204030204" pitchFamily="49" charset="0"/>
+            </a:endParaRPr>
+          </a:p>
+        </p:txBody>
+      </p:sp>
       <p:pic>
         <p:nvPicPr>
-          <p:cNvPr id="6" name="그림 5"/>
+          <p:cNvPr id="3" name="그림 2"/>
           <p:cNvPicPr>
             <a:picLocks noChangeAspect="1"/>
           </p:cNvPicPr>
           <p:nvPr/>
         </p:nvPicPr>
-        <p:blipFill>
+        <p:blipFill rotWithShape="1">
           <a:blip r:embed="rId4"/>
-          <a:stretch>
-            <a:fillRect/>
-          </a:stretch>
+          <a:srcRect t="14277"/>
+          <a:stretch/>
         </p:blipFill>
         <p:spPr>
           <a:xfrm>
-            <a:off x="5495647" y="371100"/>
-            <a:ext cx="2389204" cy="2389204"/>
-          </a:xfrm>
-          <a:prstGeom prst="rect">
-            <a:avLst/>
-          </a:prstGeom>
-        </p:spPr>
-      </p:pic>
-      <p:pic>
-        <p:nvPicPr>
-          <p:cNvPr id="7" name="그림 6"/>
-          <p:cNvPicPr>
-            <a:picLocks noChangeAspect="1"/>
-          </p:cNvPicPr>
-          <p:nvPr/>
-        </p:nvPicPr>
-        <p:blipFill>
-          <a:blip r:embed="rId5"/>
-          <a:stretch>
-            <a:fillRect/>
-          </a:stretch>
-        </p:blipFill>
-        <p:spPr>
-          <a:xfrm>
-            <a:off x="5323983" y="3002913"/>
-            <a:ext cx="4229690" cy="2172003"/>
+            <a:off x="1185915" y="3879541"/>
+            <a:ext cx="7192379" cy="2327387"/>
           </a:xfrm>
           <a:prstGeom prst="rect">
             <a:avLst/>
@@ -3537,7 +3490,7 @@
     </p:spTree>
     <p:extLst>
       <p:ext uri="{BB962C8B-B14F-4D97-AF65-F5344CB8AC3E}">
-        <p14:creationId xmlns:p14="http://schemas.microsoft.com/office/powerpoint/2010/main" val="2628583716"/>
+        <p14:creationId xmlns:p14="http://schemas.microsoft.com/office/powerpoint/2010/main" val="1575043608"/>
       </p:ext>
     </p:extLst>
   </p:cSld>
@@ -3580,8 +3533,80 @@
         </p:blipFill>
         <p:spPr>
           <a:xfrm>
-            <a:off x="813880" y="385493"/>
-            <a:ext cx="7268589" cy="3858163"/>
+            <a:off x="299547" y="371100"/>
+            <a:ext cx="4212543" cy="3235141"/>
+          </a:xfrm>
+          <a:prstGeom prst="rect">
+            <a:avLst/>
+          </a:prstGeom>
+        </p:spPr>
+      </p:pic>
+      <p:pic>
+        <p:nvPicPr>
+          <p:cNvPr id="5" name="그림 4"/>
+          <p:cNvPicPr>
+            <a:picLocks noChangeAspect="1"/>
+          </p:cNvPicPr>
+          <p:nvPr/>
+        </p:nvPicPr>
+        <p:blipFill>
+          <a:blip r:embed="rId3"/>
+          <a:stretch>
+            <a:fillRect/>
+          </a:stretch>
+        </p:blipFill>
+        <p:spPr>
+          <a:xfrm>
+            <a:off x="609134" y="4167072"/>
+            <a:ext cx="4001059" cy="1000265"/>
+          </a:xfrm>
+          <a:prstGeom prst="rect">
+            <a:avLst/>
+          </a:prstGeom>
+        </p:spPr>
+      </p:pic>
+      <p:pic>
+        <p:nvPicPr>
+          <p:cNvPr id="6" name="그림 5"/>
+          <p:cNvPicPr>
+            <a:picLocks noChangeAspect="1"/>
+          </p:cNvPicPr>
+          <p:nvPr/>
+        </p:nvPicPr>
+        <p:blipFill>
+          <a:blip r:embed="rId4"/>
+          <a:stretch>
+            <a:fillRect/>
+          </a:stretch>
+        </p:blipFill>
+        <p:spPr>
+          <a:xfrm>
+            <a:off x="5495647" y="371100"/>
+            <a:ext cx="2389204" cy="2389204"/>
+          </a:xfrm>
+          <a:prstGeom prst="rect">
+            <a:avLst/>
+          </a:prstGeom>
+        </p:spPr>
+      </p:pic>
+      <p:pic>
+        <p:nvPicPr>
+          <p:cNvPr id="7" name="그림 6"/>
+          <p:cNvPicPr>
+            <a:picLocks noChangeAspect="1"/>
+          </p:cNvPicPr>
+          <p:nvPr/>
+        </p:nvPicPr>
+        <p:blipFill>
+          <a:blip r:embed="rId5"/>
+          <a:stretch>
+            <a:fillRect/>
+          </a:stretch>
+        </p:blipFill>
+        <p:spPr>
+          <a:xfrm>
+            <a:off x="5323983" y="3002913"/>
+            <a:ext cx="4229690" cy="2172003"/>
           </a:xfrm>
           <a:prstGeom prst="rect">
             <a:avLst/>
@@ -3591,7 +3616,7 @@
     </p:spTree>
     <p:extLst>
       <p:ext uri="{BB962C8B-B14F-4D97-AF65-F5344CB8AC3E}">
-        <p14:creationId xmlns:p14="http://schemas.microsoft.com/office/powerpoint/2010/main" val="2668780768"/>
+        <p14:creationId xmlns:p14="http://schemas.microsoft.com/office/powerpoint/2010/main" val="2628583716"/>
       </p:ext>
     </p:extLst>
   </p:cSld>
@@ -3634,6 +3659,60 @@
         </p:blipFill>
         <p:spPr>
           <a:xfrm>
+            <a:off x="813880" y="385493"/>
+            <a:ext cx="7268589" cy="3858163"/>
+          </a:xfrm>
+          <a:prstGeom prst="rect">
+            <a:avLst/>
+          </a:prstGeom>
+        </p:spPr>
+      </p:pic>
+    </p:spTree>
+    <p:extLst>
+      <p:ext uri="{BB962C8B-B14F-4D97-AF65-F5344CB8AC3E}">
+        <p14:creationId xmlns:p14="http://schemas.microsoft.com/office/powerpoint/2010/main" val="2668780768"/>
+      </p:ext>
+    </p:extLst>
+  </p:cSld>
+  <p:clrMapOvr>
+    <a:masterClrMapping/>
+  </p:clrMapOvr>
+</p:sld>
+</file>
+
+<file path=ppt/slides/slide8.xml><?xml version="1.0" encoding="utf-8"?>
+<p:sld xmlns:a="http://schemas.openxmlformats.org/drawingml/2006/main" xmlns:r="http://schemas.openxmlformats.org/officeDocument/2006/relationships" xmlns:p="http://schemas.openxmlformats.org/presentationml/2006/main">
+  <p:cSld>
+    <p:spTree>
+      <p:nvGrpSpPr>
+        <p:cNvPr id="1" name=""/>
+        <p:cNvGrpSpPr/>
+        <p:nvPr/>
+      </p:nvGrpSpPr>
+      <p:grpSpPr>
+        <a:xfrm>
+          <a:off x="0" y="0"/>
+          <a:ext cx="0" cy="0"/>
+          <a:chOff x="0" y="0"/>
+          <a:chExt cx="0" cy="0"/>
+        </a:xfrm>
+      </p:grpSpPr>
+      <p:pic>
+        <p:nvPicPr>
+          <p:cNvPr id="4" name="그림 3"/>
+          <p:cNvPicPr>
+            <a:picLocks noChangeAspect="1"/>
+          </p:cNvPicPr>
+          <p:nvPr/>
+        </p:nvPicPr>
+        <p:blipFill>
+          <a:blip r:embed="rId2"/>
+          <a:stretch>
+            <a:fillRect/>
+          </a:stretch>
+        </p:blipFill>
+        <p:spPr>
+          <a:xfrm>
             <a:off x="656405" y="419195"/>
             <a:ext cx="3086531" cy="1960519"/>
           </a:xfrm>
@@ -3751,7 +3830,7 @@
 </p:sld>
 </file>
 
-<file path=ppt/slides/slide8.xml><?xml version="1.0" encoding="utf-8"?>
+<file path=ppt/slides/slide9.xml><?xml version="1.0" encoding="utf-8"?>
 <p:sld xmlns:a="http://schemas.openxmlformats.org/drawingml/2006/main" xmlns:r="http://schemas.openxmlformats.org/officeDocument/2006/relationships" xmlns:p="http://schemas.openxmlformats.org/presentationml/2006/main">
   <p:cSld>
     <p:spTree>

--- a/image/이미지 생성용.pptx
+++ b/image/이미지 생성용.pptx
@@ -6,14 +6,16 @@
   </p:sldMasterIdLst>
   <p:sldIdLst>
     <p:sldId id="256" r:id="rId2"/>
-    <p:sldId id="264" r:id="rId3"/>
-    <p:sldId id="263" r:id="rId4"/>
-    <p:sldId id="261" r:id="rId5"/>
-    <p:sldId id="262" r:id="rId6"/>
-    <p:sldId id="257" r:id="rId7"/>
-    <p:sldId id="258" r:id="rId8"/>
-    <p:sldId id="259" r:id="rId9"/>
-    <p:sldId id="260" r:id="rId10"/>
+    <p:sldId id="265" r:id="rId3"/>
+    <p:sldId id="266" r:id="rId4"/>
+    <p:sldId id="264" r:id="rId5"/>
+    <p:sldId id="263" r:id="rId6"/>
+    <p:sldId id="261" r:id="rId7"/>
+    <p:sldId id="262" r:id="rId8"/>
+    <p:sldId id="257" r:id="rId9"/>
+    <p:sldId id="258" r:id="rId10"/>
+    <p:sldId id="259" r:id="rId11"/>
+    <p:sldId id="260" r:id="rId12"/>
   </p:sldIdLst>
   <p:sldSz cx="12192000" cy="6858000"/>
   <p:notesSz cx="6858000" cy="9144000"/>
@@ -251,7 +253,7 @@
           <a:p>
             <a:fld id="{F0CD9246-440E-46C2-946E-50CD81230ED2}" type="datetimeFigureOut">
               <a:rPr lang="ko-KR" altLang="en-US" smtClean="0"/>
-              <a:t>2026-01-08</a:t>
+              <a:t>2026-01-10</a:t>
             </a:fld>
             <a:endParaRPr lang="ko-KR" altLang="en-US"/>
           </a:p>
@@ -421,7 +423,7 @@
           <a:p>
             <a:fld id="{F0CD9246-440E-46C2-946E-50CD81230ED2}" type="datetimeFigureOut">
               <a:rPr lang="ko-KR" altLang="en-US" smtClean="0"/>
-              <a:t>2026-01-08</a:t>
+              <a:t>2026-01-10</a:t>
             </a:fld>
             <a:endParaRPr lang="ko-KR" altLang="en-US"/>
           </a:p>
@@ -601,7 +603,7 @@
           <a:p>
             <a:fld id="{F0CD9246-440E-46C2-946E-50CD81230ED2}" type="datetimeFigureOut">
               <a:rPr lang="ko-KR" altLang="en-US" smtClean="0"/>
-              <a:t>2026-01-08</a:t>
+              <a:t>2026-01-10</a:t>
             </a:fld>
             <a:endParaRPr lang="ko-KR" altLang="en-US"/>
           </a:p>
@@ -771,7 +773,7 @@
           <a:p>
             <a:fld id="{F0CD9246-440E-46C2-946E-50CD81230ED2}" type="datetimeFigureOut">
               <a:rPr lang="ko-KR" altLang="en-US" smtClean="0"/>
-              <a:t>2026-01-08</a:t>
+              <a:t>2026-01-10</a:t>
             </a:fld>
             <a:endParaRPr lang="ko-KR" altLang="en-US"/>
           </a:p>
@@ -1017,7 +1019,7 @@
           <a:p>
             <a:fld id="{F0CD9246-440E-46C2-946E-50CD81230ED2}" type="datetimeFigureOut">
               <a:rPr lang="ko-KR" altLang="en-US" smtClean="0"/>
-              <a:t>2026-01-08</a:t>
+              <a:t>2026-01-10</a:t>
             </a:fld>
             <a:endParaRPr lang="ko-KR" altLang="en-US"/>
           </a:p>
@@ -1249,7 +1251,7 @@
           <a:p>
             <a:fld id="{F0CD9246-440E-46C2-946E-50CD81230ED2}" type="datetimeFigureOut">
               <a:rPr lang="ko-KR" altLang="en-US" smtClean="0"/>
-              <a:t>2026-01-08</a:t>
+              <a:t>2026-01-10</a:t>
             </a:fld>
             <a:endParaRPr lang="ko-KR" altLang="en-US"/>
           </a:p>
@@ -1616,7 +1618,7 @@
           <a:p>
             <a:fld id="{F0CD9246-440E-46C2-946E-50CD81230ED2}" type="datetimeFigureOut">
               <a:rPr lang="ko-KR" altLang="en-US" smtClean="0"/>
-              <a:t>2026-01-08</a:t>
+              <a:t>2026-01-10</a:t>
             </a:fld>
             <a:endParaRPr lang="ko-KR" altLang="en-US"/>
           </a:p>
@@ -1734,7 +1736,7 @@
           <a:p>
             <a:fld id="{F0CD9246-440E-46C2-946E-50CD81230ED2}" type="datetimeFigureOut">
               <a:rPr lang="ko-KR" altLang="en-US" smtClean="0"/>
-              <a:t>2026-01-08</a:t>
+              <a:t>2026-01-10</a:t>
             </a:fld>
             <a:endParaRPr lang="ko-KR" altLang="en-US"/>
           </a:p>
@@ -1829,7 +1831,7 @@
           <a:p>
             <a:fld id="{F0CD9246-440E-46C2-946E-50CD81230ED2}" type="datetimeFigureOut">
               <a:rPr lang="ko-KR" altLang="en-US" smtClean="0"/>
-              <a:t>2026-01-08</a:t>
+              <a:t>2026-01-10</a:t>
             </a:fld>
             <a:endParaRPr lang="ko-KR" altLang="en-US"/>
           </a:p>
@@ -2106,7 +2108,7 @@
           <a:p>
             <a:fld id="{F0CD9246-440E-46C2-946E-50CD81230ED2}" type="datetimeFigureOut">
               <a:rPr lang="ko-KR" altLang="en-US" smtClean="0"/>
-              <a:t>2026-01-08</a:t>
+              <a:t>2026-01-10</a:t>
             </a:fld>
             <a:endParaRPr lang="ko-KR" altLang="en-US"/>
           </a:p>
@@ -2359,7 +2361,7 @@
           <a:p>
             <a:fld id="{F0CD9246-440E-46C2-946E-50CD81230ED2}" type="datetimeFigureOut">
               <a:rPr lang="ko-KR" altLang="en-US" smtClean="0"/>
-              <a:t>2026-01-08</a:t>
+              <a:t>2026-01-10</a:t>
             </a:fld>
             <a:endParaRPr lang="ko-KR" altLang="en-US"/>
           </a:p>
@@ -2572,7 +2574,7 @@
           <a:p>
             <a:fld id="{F0CD9246-440E-46C2-946E-50CD81230ED2}" type="datetimeFigureOut">
               <a:rPr lang="ko-KR" altLang="en-US" smtClean="0"/>
-              <a:t>2026-01-08</a:t>
+              <a:t>2026-01-10</a:t>
             </a:fld>
             <a:endParaRPr lang="ko-KR" altLang="en-US"/>
           </a:p>
@@ -3062,6 +3064,210 @@
 </p:sld>
 </file>
 
+<file path=ppt/slides/slide10.xml><?xml version="1.0" encoding="utf-8"?>
+<p:sld xmlns:a="http://schemas.openxmlformats.org/drawingml/2006/main" xmlns:r="http://schemas.openxmlformats.org/officeDocument/2006/relationships" xmlns:p="http://schemas.openxmlformats.org/presentationml/2006/main">
+  <p:cSld>
+    <p:spTree>
+      <p:nvGrpSpPr>
+        <p:cNvPr id="1" name=""/>
+        <p:cNvGrpSpPr/>
+        <p:nvPr/>
+      </p:nvGrpSpPr>
+      <p:grpSpPr>
+        <a:xfrm>
+          <a:off x="0" y="0"/>
+          <a:ext cx="0" cy="0"/>
+          <a:chOff x="0" y="0"/>
+          <a:chExt cx="0" cy="0"/>
+        </a:xfrm>
+      </p:grpSpPr>
+      <p:pic>
+        <p:nvPicPr>
+          <p:cNvPr id="4" name="그림 3"/>
+          <p:cNvPicPr>
+            <a:picLocks noChangeAspect="1"/>
+          </p:cNvPicPr>
+          <p:nvPr/>
+        </p:nvPicPr>
+        <p:blipFill>
+          <a:blip r:embed="rId2"/>
+          <a:stretch>
+            <a:fillRect/>
+          </a:stretch>
+        </p:blipFill>
+        <p:spPr>
+          <a:xfrm>
+            <a:off x="656405" y="419195"/>
+            <a:ext cx="3086531" cy="1960519"/>
+          </a:xfrm>
+          <a:prstGeom prst="rect">
+            <a:avLst/>
+          </a:prstGeom>
+        </p:spPr>
+      </p:pic>
+      <p:pic>
+        <p:nvPicPr>
+          <p:cNvPr id="5" name="그림 4"/>
+          <p:cNvPicPr>
+            <a:picLocks noChangeAspect="1"/>
+          </p:cNvPicPr>
+          <p:nvPr/>
+        </p:nvPicPr>
+        <p:blipFill>
+          <a:blip r:embed="rId3"/>
+          <a:stretch>
+            <a:fillRect/>
+          </a:stretch>
+        </p:blipFill>
+        <p:spPr>
+          <a:xfrm>
+            <a:off x="656405" y="2630478"/>
+            <a:ext cx="7182852" cy="1171739"/>
+          </a:xfrm>
+          <a:prstGeom prst="rect">
+            <a:avLst/>
+          </a:prstGeom>
+        </p:spPr>
+      </p:pic>
+      <p:pic>
+        <p:nvPicPr>
+          <p:cNvPr id="2" name="그림 1"/>
+          <p:cNvPicPr>
+            <a:picLocks noChangeAspect="1"/>
+          </p:cNvPicPr>
+          <p:nvPr/>
+        </p:nvPicPr>
+        <p:blipFill>
+          <a:blip r:embed="rId4"/>
+          <a:stretch>
+            <a:fillRect/>
+          </a:stretch>
+        </p:blipFill>
+        <p:spPr>
+          <a:xfrm>
+            <a:off x="4156895" y="251531"/>
+            <a:ext cx="4212543" cy="1377507"/>
+          </a:xfrm>
+          <a:prstGeom prst="rect">
+            <a:avLst/>
+          </a:prstGeom>
+        </p:spPr>
+      </p:pic>
+      <p:pic>
+        <p:nvPicPr>
+          <p:cNvPr id="3" name="그림 2"/>
+          <p:cNvPicPr>
+            <a:picLocks noChangeAspect="1"/>
+          </p:cNvPicPr>
+          <p:nvPr/>
+        </p:nvPicPr>
+        <p:blipFill>
+          <a:blip r:embed="rId5"/>
+          <a:stretch>
+            <a:fillRect/>
+          </a:stretch>
+        </p:blipFill>
+        <p:spPr>
+          <a:xfrm>
+            <a:off x="656405" y="4332329"/>
+            <a:ext cx="3801005" cy="1863350"/>
+          </a:xfrm>
+          <a:prstGeom prst="rect">
+            <a:avLst/>
+          </a:prstGeom>
+        </p:spPr>
+      </p:pic>
+      <p:pic>
+        <p:nvPicPr>
+          <p:cNvPr id="6" name="그림 5"/>
+          <p:cNvPicPr>
+            <a:picLocks noChangeAspect="1"/>
+          </p:cNvPicPr>
+          <p:nvPr/>
+        </p:nvPicPr>
+        <p:blipFill>
+          <a:blip r:embed="rId6"/>
+          <a:stretch>
+            <a:fillRect/>
+          </a:stretch>
+        </p:blipFill>
+        <p:spPr>
+          <a:xfrm>
+            <a:off x="5161177" y="4220871"/>
+            <a:ext cx="4183964" cy="2086266"/>
+          </a:xfrm>
+          <a:prstGeom prst="rect">
+            <a:avLst/>
+          </a:prstGeom>
+        </p:spPr>
+      </p:pic>
+    </p:spTree>
+    <p:extLst>
+      <p:ext uri="{BB962C8B-B14F-4D97-AF65-F5344CB8AC3E}">
+        <p14:creationId xmlns:p14="http://schemas.microsoft.com/office/powerpoint/2010/main" val="2672974803"/>
+      </p:ext>
+    </p:extLst>
+  </p:cSld>
+  <p:clrMapOvr>
+    <a:masterClrMapping/>
+  </p:clrMapOvr>
+</p:sld>
+</file>
+
+<file path=ppt/slides/slide11.xml><?xml version="1.0" encoding="utf-8"?>
+<p:sld xmlns:a="http://schemas.openxmlformats.org/drawingml/2006/main" xmlns:r="http://schemas.openxmlformats.org/officeDocument/2006/relationships" xmlns:p="http://schemas.openxmlformats.org/presentationml/2006/main">
+  <p:cSld>
+    <p:spTree>
+      <p:nvGrpSpPr>
+        <p:cNvPr id="1" name=""/>
+        <p:cNvGrpSpPr/>
+        <p:nvPr/>
+      </p:nvGrpSpPr>
+      <p:grpSpPr>
+        <a:xfrm>
+          <a:off x="0" y="0"/>
+          <a:ext cx="0" cy="0"/>
+          <a:chOff x="0" y="0"/>
+          <a:chExt cx="0" cy="0"/>
+        </a:xfrm>
+      </p:grpSpPr>
+      <p:pic>
+        <p:nvPicPr>
+          <p:cNvPr id="4" name="그림 3"/>
+          <p:cNvPicPr>
+            <a:picLocks noChangeAspect="1"/>
+          </p:cNvPicPr>
+          <p:nvPr/>
+        </p:nvPicPr>
+        <p:blipFill>
+          <a:blip r:embed="rId2"/>
+          <a:stretch>
+            <a:fillRect/>
+          </a:stretch>
+        </p:blipFill>
+        <p:spPr>
+          <a:xfrm>
+            <a:off x="264100" y="165653"/>
+            <a:ext cx="3663826" cy="2126277"/>
+          </a:xfrm>
+          <a:prstGeom prst="rect">
+            <a:avLst/>
+          </a:prstGeom>
+        </p:spPr>
+      </p:pic>
+    </p:spTree>
+    <p:extLst>
+      <p:ext uri="{BB962C8B-B14F-4D97-AF65-F5344CB8AC3E}">
+        <p14:creationId xmlns:p14="http://schemas.microsoft.com/office/powerpoint/2010/main" val="2207495901"/>
+      </p:ext>
+    </p:extLst>
+  </p:cSld>
+  <p:clrMapOvr>
+    <a:masterClrMapping/>
+  </p:clrMapOvr>
+</p:sld>
+</file>
+
 <file path=ppt/slides/slide2.xml><?xml version="1.0" encoding="utf-8"?>
 <p:sld xmlns:a="http://schemas.openxmlformats.org/drawingml/2006/main" xmlns:r="http://schemas.openxmlformats.org/officeDocument/2006/relationships" xmlns:p="http://schemas.openxmlformats.org/presentationml/2006/main">
   <p:cSld>
@@ -3081,7 +3287,7 @@
       </p:grpSpPr>
       <p:pic>
         <p:nvPicPr>
-          <p:cNvPr id="2" name="그림 1"/>
+          <p:cNvPr id="4" name="그림 3"/>
           <p:cNvPicPr>
             <a:picLocks noChangeAspect="1"/>
           </p:cNvPicPr>
@@ -3095,8 +3301,8 @@
         </p:blipFill>
         <p:spPr>
           <a:xfrm>
-            <a:off x="313513" y="293630"/>
-            <a:ext cx="7001852" cy="3696216"/>
+            <a:off x="177975" y="246068"/>
+            <a:ext cx="7201905" cy="790685"/>
           </a:xfrm>
           <a:prstGeom prst="rect">
             <a:avLst/>
@@ -3105,7 +3311,7 @@
       </p:pic>
       <p:pic>
         <p:nvPicPr>
-          <p:cNvPr id="3" name="그림 2"/>
+          <p:cNvPr id="5" name="그림 4"/>
           <p:cNvPicPr>
             <a:picLocks noChangeAspect="1"/>
           </p:cNvPicPr>
@@ -3119,8 +3325,8 @@
         </p:blipFill>
         <p:spPr>
           <a:xfrm>
-            <a:off x="3300022" y="656838"/>
-            <a:ext cx="5591955" cy="5544324"/>
+            <a:off x="539773" y="1179285"/>
+            <a:ext cx="6744641" cy="4801270"/>
           </a:xfrm>
           <a:prstGeom prst="rect">
             <a:avLst/>
@@ -3130,7 +3336,7 @@
     </p:spTree>
     <p:extLst>
       <p:ext uri="{BB962C8B-B14F-4D97-AF65-F5344CB8AC3E}">
-        <p14:creationId xmlns:p14="http://schemas.microsoft.com/office/powerpoint/2010/main" val="2656977250"/>
+        <p14:creationId xmlns:p14="http://schemas.microsoft.com/office/powerpoint/2010/main" val="1321305327"/>
       </p:ext>
     </p:extLst>
   </p:cSld>
@@ -3173,8 +3379,8 @@
         </p:blipFill>
         <p:spPr>
           <a:xfrm>
-            <a:off x="655793" y="311328"/>
-            <a:ext cx="5944430" cy="2524477"/>
+            <a:off x="513362" y="338928"/>
+            <a:ext cx="6868484" cy="4582164"/>
           </a:xfrm>
           <a:prstGeom prst="rect">
             <a:avLst/>
@@ -3197,8 +3403,8 @@
         </p:blipFill>
         <p:spPr>
           <a:xfrm>
-            <a:off x="543627" y="3097193"/>
-            <a:ext cx="5849166" cy="2705478"/>
+            <a:off x="8215079" y="338928"/>
+            <a:ext cx="2686425" cy="1724266"/>
           </a:xfrm>
           <a:prstGeom prst="rect">
             <a:avLst/>
@@ -3208,7 +3414,7 @@
     </p:spTree>
     <p:extLst>
       <p:ext uri="{BB962C8B-B14F-4D97-AF65-F5344CB8AC3E}">
-        <p14:creationId xmlns:p14="http://schemas.microsoft.com/office/powerpoint/2010/main" val="887493065"/>
+        <p14:creationId xmlns:p14="http://schemas.microsoft.com/office/powerpoint/2010/main" val="156433515"/>
       </p:ext>
     </p:extLst>
   </p:cSld>
@@ -3237,7 +3443,7 @@
       </p:grpSpPr>
       <p:pic>
         <p:nvPicPr>
-          <p:cNvPr id="4" name="그림 3"/>
+          <p:cNvPr id="2" name="그림 1"/>
           <p:cNvPicPr>
             <a:picLocks noChangeAspect="1"/>
           </p:cNvPicPr>
@@ -3251,8 +3457,8 @@
         </p:blipFill>
         <p:spPr>
           <a:xfrm>
-            <a:off x="280392" y="278487"/>
-            <a:ext cx="4315427" cy="2406351"/>
+            <a:off x="313513" y="293630"/>
+            <a:ext cx="7001852" cy="3696216"/>
           </a:xfrm>
           <a:prstGeom prst="rect">
             <a:avLst/>
@@ -3261,7 +3467,7 @@
       </p:pic>
       <p:pic>
         <p:nvPicPr>
-          <p:cNvPr id="5" name="그림 4"/>
+          <p:cNvPr id="3" name="그림 2"/>
           <p:cNvPicPr>
             <a:picLocks noChangeAspect="1"/>
           </p:cNvPicPr>
@@ -3275,71 +3481,8 @@
         </p:blipFill>
         <p:spPr>
           <a:xfrm>
-            <a:off x="5312126" y="373818"/>
-            <a:ext cx="3326594" cy="2709288"/>
-          </a:xfrm>
-          <a:prstGeom prst="rect">
-            <a:avLst/>
-          </a:prstGeom>
-        </p:spPr>
-      </p:pic>
-      <p:sp>
-        <p:nvSpPr>
-          <p:cNvPr id="2" name="직사각형 1"/>
-          <p:cNvSpPr/>
-          <p:nvPr/>
-        </p:nvSpPr>
-        <p:spPr>
-          <a:xfrm>
-            <a:off x="4167427" y="3244334"/>
-            <a:ext cx="3857146" cy="369332"/>
-          </a:xfrm>
-          <a:prstGeom prst="rect">
-            <a:avLst/>
-          </a:prstGeom>
-        </p:spPr>
-        <p:txBody>
-          <a:bodyPr wrap="none">
-            <a:spAutoFit/>
-          </a:bodyPr>
-          <a:lstStyle/>
-          <a:p>
-            <a:r>
-              <a:rPr lang="en-US" altLang="ko-KR" dirty="0">
-                <a:solidFill>
-                  <a:srgbClr val="CCCCCC"/>
-                </a:solidFill>
-                <a:latin typeface="Consolas" panose="020B0609020204030204" pitchFamily="49" charset="0"/>
-              </a:rPr>
-              <a:t>03_04_bertviz_neuron_view.png</a:t>
-            </a:r>
-            <a:endParaRPr lang="en-US" altLang="ko-KR" b="0" dirty="0">
-              <a:solidFill>
-                <a:srgbClr val="CCCCCC"/>
-              </a:solidFill>
-              <a:effectLst/>
-              <a:latin typeface="Consolas" panose="020B0609020204030204" pitchFamily="49" charset="0"/>
-            </a:endParaRPr>
-          </a:p>
-        </p:txBody>
-      </p:sp>
-      <p:pic>
-        <p:nvPicPr>
-          <p:cNvPr id="3" name="그림 2"/>
-          <p:cNvPicPr>
-            <a:picLocks noChangeAspect="1"/>
-          </p:cNvPicPr>
-          <p:nvPr/>
-        </p:nvPicPr>
-        <p:blipFill rotWithShape="1">
-          <a:blip r:embed="rId4"/>
-          <a:srcRect t="14277"/>
-          <a:stretch/>
-        </p:blipFill>
-        <p:spPr>
-          <a:xfrm>
-            <a:off x="1185915" y="3879541"/>
-            <a:ext cx="7192379" cy="2327387"/>
+            <a:off x="3300022" y="656838"/>
+            <a:ext cx="5591955" cy="5544324"/>
           </a:xfrm>
           <a:prstGeom prst="rect">
             <a:avLst/>
@@ -3349,7 +3492,7 @@
     </p:spTree>
     <p:extLst>
       <p:ext uri="{BB962C8B-B14F-4D97-AF65-F5344CB8AC3E}">
-        <p14:creationId xmlns:p14="http://schemas.microsoft.com/office/powerpoint/2010/main" val="4024031726"/>
+        <p14:creationId xmlns:p14="http://schemas.microsoft.com/office/powerpoint/2010/main" val="2656977250"/>
       </p:ext>
     </p:extLst>
   </p:cSld>
@@ -3392,8 +3535,8 @@
         </p:blipFill>
         <p:spPr>
           <a:xfrm>
-            <a:off x="280392" y="278487"/>
-            <a:ext cx="4315427" cy="2406351"/>
+            <a:off x="655793" y="311328"/>
+            <a:ext cx="5944430" cy="2524477"/>
           </a:xfrm>
           <a:prstGeom prst="rect">
             <a:avLst/>
@@ -3416,71 +3559,8 @@
         </p:blipFill>
         <p:spPr>
           <a:xfrm>
-            <a:off x="5312126" y="373818"/>
-            <a:ext cx="3326594" cy="2709288"/>
-          </a:xfrm>
-          <a:prstGeom prst="rect">
-            <a:avLst/>
-          </a:prstGeom>
-        </p:spPr>
-      </p:pic>
-      <p:sp>
-        <p:nvSpPr>
-          <p:cNvPr id="2" name="직사각형 1"/>
-          <p:cNvSpPr/>
-          <p:nvPr/>
-        </p:nvSpPr>
-        <p:spPr>
-          <a:xfrm>
-            <a:off x="4167427" y="3244334"/>
-            <a:ext cx="3857146" cy="369332"/>
-          </a:xfrm>
-          <a:prstGeom prst="rect">
-            <a:avLst/>
-          </a:prstGeom>
-        </p:spPr>
-        <p:txBody>
-          <a:bodyPr wrap="none">
-            <a:spAutoFit/>
-          </a:bodyPr>
-          <a:lstStyle/>
-          <a:p>
-            <a:r>
-              <a:rPr lang="en-US" altLang="ko-KR" dirty="0">
-                <a:solidFill>
-                  <a:srgbClr val="CCCCCC"/>
-                </a:solidFill>
-                <a:latin typeface="Consolas" panose="020B0609020204030204" pitchFamily="49" charset="0"/>
-              </a:rPr>
-              <a:t>03_04_bertviz_neuron_view.png</a:t>
-            </a:r>
-            <a:endParaRPr lang="en-US" altLang="ko-KR" b="0" dirty="0">
-              <a:solidFill>
-                <a:srgbClr val="CCCCCC"/>
-              </a:solidFill>
-              <a:effectLst/>
-              <a:latin typeface="Consolas" panose="020B0609020204030204" pitchFamily="49" charset="0"/>
-            </a:endParaRPr>
-          </a:p>
-        </p:txBody>
-      </p:sp>
-      <p:pic>
-        <p:nvPicPr>
-          <p:cNvPr id="3" name="그림 2"/>
-          <p:cNvPicPr>
-            <a:picLocks noChangeAspect="1"/>
-          </p:cNvPicPr>
-          <p:nvPr/>
-        </p:nvPicPr>
-        <p:blipFill rotWithShape="1">
-          <a:blip r:embed="rId4"/>
-          <a:srcRect t="14277"/>
-          <a:stretch/>
-        </p:blipFill>
-        <p:spPr>
-          <a:xfrm>
-            <a:off x="1185915" y="3879541"/>
-            <a:ext cx="7192379" cy="2327387"/>
+            <a:off x="543627" y="3097193"/>
+            <a:ext cx="5849166" cy="2705478"/>
           </a:xfrm>
           <a:prstGeom prst="rect">
             <a:avLst/>
@@ -3490,7 +3570,7 @@
     </p:spTree>
     <p:extLst>
       <p:ext uri="{BB962C8B-B14F-4D97-AF65-F5344CB8AC3E}">
-        <p14:creationId xmlns:p14="http://schemas.microsoft.com/office/powerpoint/2010/main" val="1575043608"/>
+        <p14:creationId xmlns:p14="http://schemas.microsoft.com/office/powerpoint/2010/main" val="887493065"/>
       </p:ext>
     </p:extLst>
   </p:cSld>
@@ -3533,8 +3613,8 @@
         </p:blipFill>
         <p:spPr>
           <a:xfrm>
-            <a:off x="299547" y="371100"/>
-            <a:ext cx="4212543" cy="3235141"/>
+            <a:off x="280392" y="278487"/>
+            <a:ext cx="4315427" cy="2406351"/>
           </a:xfrm>
           <a:prstGeom prst="rect">
             <a:avLst/>
@@ -3557,56 +3637,71 @@
         </p:blipFill>
         <p:spPr>
           <a:xfrm>
-            <a:off x="609134" y="4167072"/>
-            <a:ext cx="4001059" cy="1000265"/>
+            <a:off x="5312126" y="373818"/>
+            <a:ext cx="3326594" cy="2709288"/>
           </a:xfrm>
           <a:prstGeom prst="rect">
             <a:avLst/>
           </a:prstGeom>
         </p:spPr>
       </p:pic>
+      <p:sp>
+        <p:nvSpPr>
+          <p:cNvPr id="2" name="직사각형 1"/>
+          <p:cNvSpPr/>
+          <p:nvPr/>
+        </p:nvSpPr>
+        <p:spPr>
+          <a:xfrm>
+            <a:off x="4167427" y="3244334"/>
+            <a:ext cx="3857146" cy="369332"/>
+          </a:xfrm>
+          <a:prstGeom prst="rect">
+            <a:avLst/>
+          </a:prstGeom>
+        </p:spPr>
+        <p:txBody>
+          <a:bodyPr wrap="none">
+            <a:spAutoFit/>
+          </a:bodyPr>
+          <a:lstStyle/>
+          <a:p>
+            <a:r>
+              <a:rPr lang="en-US" altLang="ko-KR" dirty="0">
+                <a:solidFill>
+                  <a:srgbClr val="CCCCCC"/>
+                </a:solidFill>
+                <a:latin typeface="Consolas" panose="020B0609020204030204" pitchFamily="49" charset="0"/>
+              </a:rPr>
+              <a:t>03_04_bertviz_neuron_view.png</a:t>
+            </a:r>
+            <a:endParaRPr lang="en-US" altLang="ko-KR" b="0" dirty="0">
+              <a:solidFill>
+                <a:srgbClr val="CCCCCC"/>
+              </a:solidFill>
+              <a:effectLst/>
+              <a:latin typeface="Consolas" panose="020B0609020204030204" pitchFamily="49" charset="0"/>
+            </a:endParaRPr>
+          </a:p>
+        </p:txBody>
+      </p:sp>
       <p:pic>
         <p:nvPicPr>
-          <p:cNvPr id="6" name="그림 5"/>
+          <p:cNvPr id="3" name="그림 2"/>
           <p:cNvPicPr>
             <a:picLocks noChangeAspect="1"/>
           </p:cNvPicPr>
           <p:nvPr/>
         </p:nvPicPr>
-        <p:blipFill>
+        <p:blipFill rotWithShape="1">
           <a:blip r:embed="rId4"/>
-          <a:stretch>
-            <a:fillRect/>
-          </a:stretch>
+          <a:srcRect t="14277"/>
+          <a:stretch/>
         </p:blipFill>
         <p:spPr>
           <a:xfrm>
-            <a:off x="5495647" y="371100"/>
-            <a:ext cx="2389204" cy="2389204"/>
-          </a:xfrm>
-          <a:prstGeom prst="rect">
-            <a:avLst/>
-          </a:prstGeom>
-        </p:spPr>
-      </p:pic>
-      <p:pic>
-        <p:nvPicPr>
-          <p:cNvPr id="7" name="그림 6"/>
-          <p:cNvPicPr>
-            <a:picLocks noChangeAspect="1"/>
-          </p:cNvPicPr>
-          <p:nvPr/>
-        </p:nvPicPr>
-        <p:blipFill>
-          <a:blip r:embed="rId5"/>
-          <a:stretch>
-            <a:fillRect/>
-          </a:stretch>
-        </p:blipFill>
-        <p:spPr>
-          <a:xfrm>
-            <a:off x="5323983" y="3002913"/>
-            <a:ext cx="4229690" cy="2172003"/>
+            <a:off x="1185915" y="3879541"/>
+            <a:ext cx="7192379" cy="2327387"/>
           </a:xfrm>
           <a:prstGeom prst="rect">
             <a:avLst/>
@@ -3616,7 +3711,7 @@
     </p:spTree>
     <p:extLst>
       <p:ext uri="{BB962C8B-B14F-4D97-AF65-F5344CB8AC3E}">
-        <p14:creationId xmlns:p14="http://schemas.microsoft.com/office/powerpoint/2010/main" val="2628583716"/>
+        <p14:creationId xmlns:p14="http://schemas.microsoft.com/office/powerpoint/2010/main" val="4024031726"/>
       </p:ext>
     </p:extLst>
   </p:cSld>
@@ -3659,8 +3754,95 @@
         </p:blipFill>
         <p:spPr>
           <a:xfrm>
-            <a:off x="813880" y="385493"/>
-            <a:ext cx="7268589" cy="3858163"/>
+            <a:off x="280392" y="278487"/>
+            <a:ext cx="4315427" cy="2406351"/>
+          </a:xfrm>
+          <a:prstGeom prst="rect">
+            <a:avLst/>
+          </a:prstGeom>
+        </p:spPr>
+      </p:pic>
+      <p:pic>
+        <p:nvPicPr>
+          <p:cNvPr id="5" name="그림 4"/>
+          <p:cNvPicPr>
+            <a:picLocks noChangeAspect="1"/>
+          </p:cNvPicPr>
+          <p:nvPr/>
+        </p:nvPicPr>
+        <p:blipFill>
+          <a:blip r:embed="rId3"/>
+          <a:stretch>
+            <a:fillRect/>
+          </a:stretch>
+        </p:blipFill>
+        <p:spPr>
+          <a:xfrm>
+            <a:off x="5312126" y="373818"/>
+            <a:ext cx="3326594" cy="2709288"/>
+          </a:xfrm>
+          <a:prstGeom prst="rect">
+            <a:avLst/>
+          </a:prstGeom>
+        </p:spPr>
+      </p:pic>
+      <p:sp>
+        <p:nvSpPr>
+          <p:cNvPr id="2" name="직사각형 1"/>
+          <p:cNvSpPr/>
+          <p:nvPr/>
+        </p:nvSpPr>
+        <p:spPr>
+          <a:xfrm>
+            <a:off x="4167427" y="3244334"/>
+            <a:ext cx="3857146" cy="369332"/>
+          </a:xfrm>
+          <a:prstGeom prst="rect">
+            <a:avLst/>
+          </a:prstGeom>
+        </p:spPr>
+        <p:txBody>
+          <a:bodyPr wrap="none">
+            <a:spAutoFit/>
+          </a:bodyPr>
+          <a:lstStyle/>
+          <a:p>
+            <a:r>
+              <a:rPr lang="en-US" altLang="ko-KR" dirty="0">
+                <a:solidFill>
+                  <a:srgbClr val="CCCCCC"/>
+                </a:solidFill>
+                <a:latin typeface="Consolas" panose="020B0609020204030204" pitchFamily="49" charset="0"/>
+              </a:rPr>
+              <a:t>03_04_bertviz_neuron_view.png</a:t>
+            </a:r>
+            <a:endParaRPr lang="en-US" altLang="ko-KR" b="0" dirty="0">
+              <a:solidFill>
+                <a:srgbClr val="CCCCCC"/>
+              </a:solidFill>
+              <a:effectLst/>
+              <a:latin typeface="Consolas" panose="020B0609020204030204" pitchFamily="49" charset="0"/>
+            </a:endParaRPr>
+          </a:p>
+        </p:txBody>
+      </p:sp>
+      <p:pic>
+        <p:nvPicPr>
+          <p:cNvPr id="3" name="그림 2"/>
+          <p:cNvPicPr>
+            <a:picLocks noChangeAspect="1"/>
+          </p:cNvPicPr>
+          <p:nvPr/>
+        </p:nvPicPr>
+        <p:blipFill rotWithShape="1">
+          <a:blip r:embed="rId4"/>
+          <a:srcRect t="14277"/>
+          <a:stretch/>
+        </p:blipFill>
+        <p:spPr>
+          <a:xfrm>
+            <a:off x="1185915" y="3879541"/>
+            <a:ext cx="7192379" cy="2327387"/>
           </a:xfrm>
           <a:prstGeom prst="rect">
             <a:avLst/>
@@ -3670,7 +3852,7 @@
     </p:spTree>
     <p:extLst>
       <p:ext uri="{BB962C8B-B14F-4D97-AF65-F5344CB8AC3E}">
-        <p14:creationId xmlns:p14="http://schemas.microsoft.com/office/powerpoint/2010/main" val="2668780768"/>
+        <p14:creationId xmlns:p14="http://schemas.microsoft.com/office/powerpoint/2010/main" val="1575043608"/>
       </p:ext>
     </p:extLst>
   </p:cSld>
@@ -3713,8 +3895,8 @@
         </p:blipFill>
         <p:spPr>
           <a:xfrm>
-            <a:off x="656405" y="419195"/>
-            <a:ext cx="3086531" cy="1960519"/>
+            <a:off x="299547" y="371100"/>
+            <a:ext cx="4212543" cy="3235141"/>
           </a:xfrm>
           <a:prstGeom prst="rect">
             <a:avLst/>
@@ -3737,8 +3919,8 @@
         </p:blipFill>
         <p:spPr>
           <a:xfrm>
-            <a:off x="656405" y="2630478"/>
-            <a:ext cx="7182852" cy="1171739"/>
+            <a:off x="609134" y="4167072"/>
+            <a:ext cx="4001059" cy="1000265"/>
           </a:xfrm>
           <a:prstGeom prst="rect">
             <a:avLst/>
@@ -3747,7 +3929,7 @@
       </p:pic>
       <p:pic>
         <p:nvPicPr>
-          <p:cNvPr id="2" name="그림 1"/>
+          <p:cNvPr id="6" name="그림 5"/>
           <p:cNvPicPr>
             <a:picLocks noChangeAspect="1"/>
           </p:cNvPicPr>
@@ -3761,8 +3943,8 @@
         </p:blipFill>
         <p:spPr>
           <a:xfrm>
-            <a:off x="4156895" y="251531"/>
-            <a:ext cx="4212543" cy="1377507"/>
+            <a:off x="5495647" y="371100"/>
+            <a:ext cx="2389204" cy="2389204"/>
           </a:xfrm>
           <a:prstGeom prst="rect">
             <a:avLst/>
@@ -3771,7 +3953,7 @@
       </p:pic>
       <p:pic>
         <p:nvPicPr>
-          <p:cNvPr id="3" name="그림 2"/>
+          <p:cNvPr id="7" name="그림 6"/>
           <p:cNvPicPr>
             <a:picLocks noChangeAspect="1"/>
           </p:cNvPicPr>
@@ -3785,32 +3967,8 @@
         </p:blipFill>
         <p:spPr>
           <a:xfrm>
-            <a:off x="656405" y="4332329"/>
-            <a:ext cx="3801005" cy="1863350"/>
-          </a:xfrm>
-          <a:prstGeom prst="rect">
-            <a:avLst/>
-          </a:prstGeom>
-        </p:spPr>
-      </p:pic>
-      <p:pic>
-        <p:nvPicPr>
-          <p:cNvPr id="6" name="그림 5"/>
-          <p:cNvPicPr>
-            <a:picLocks noChangeAspect="1"/>
-          </p:cNvPicPr>
-          <p:nvPr/>
-        </p:nvPicPr>
-        <p:blipFill>
-          <a:blip r:embed="rId6"/>
-          <a:stretch>
-            <a:fillRect/>
-          </a:stretch>
-        </p:blipFill>
-        <p:spPr>
-          <a:xfrm>
-            <a:off x="5161177" y="4220871"/>
-            <a:ext cx="4183964" cy="2086266"/>
+            <a:off x="5323983" y="3002913"/>
+            <a:ext cx="4229690" cy="2172003"/>
           </a:xfrm>
           <a:prstGeom prst="rect">
             <a:avLst/>
@@ -3820,7 +3978,7 @@
     </p:spTree>
     <p:extLst>
       <p:ext uri="{BB962C8B-B14F-4D97-AF65-F5344CB8AC3E}">
-        <p14:creationId xmlns:p14="http://schemas.microsoft.com/office/powerpoint/2010/main" val="2672974803"/>
+        <p14:creationId xmlns:p14="http://schemas.microsoft.com/office/powerpoint/2010/main" val="2628583716"/>
       </p:ext>
     </p:extLst>
   </p:cSld>
@@ -3863,8 +4021,8 @@
         </p:blipFill>
         <p:spPr>
           <a:xfrm>
-            <a:off x="264100" y="165653"/>
-            <a:ext cx="3663826" cy="2126277"/>
+            <a:off x="813880" y="385493"/>
+            <a:ext cx="7268589" cy="3858163"/>
           </a:xfrm>
           <a:prstGeom prst="rect">
             <a:avLst/>
@@ -3874,7 +4032,7 @@
     </p:spTree>
     <p:extLst>
       <p:ext uri="{BB962C8B-B14F-4D97-AF65-F5344CB8AC3E}">
-        <p14:creationId xmlns:p14="http://schemas.microsoft.com/office/powerpoint/2010/main" val="2207495901"/>
+        <p14:creationId xmlns:p14="http://schemas.microsoft.com/office/powerpoint/2010/main" val="2668780768"/>
       </p:ext>
     </p:extLst>
   </p:cSld>

--- a/image/이미지 생성용.pptx
+++ b/image/이미지 생성용.pptx
@@ -6,16 +6,17 @@
   </p:sldMasterIdLst>
   <p:sldIdLst>
     <p:sldId id="256" r:id="rId2"/>
-    <p:sldId id="265" r:id="rId3"/>
-    <p:sldId id="266" r:id="rId4"/>
-    <p:sldId id="264" r:id="rId5"/>
-    <p:sldId id="263" r:id="rId6"/>
-    <p:sldId id="261" r:id="rId7"/>
-    <p:sldId id="262" r:id="rId8"/>
-    <p:sldId id="257" r:id="rId9"/>
-    <p:sldId id="258" r:id="rId10"/>
-    <p:sldId id="259" r:id="rId11"/>
-    <p:sldId id="260" r:id="rId12"/>
+    <p:sldId id="267" r:id="rId3"/>
+    <p:sldId id="265" r:id="rId4"/>
+    <p:sldId id="266" r:id="rId5"/>
+    <p:sldId id="264" r:id="rId6"/>
+    <p:sldId id="263" r:id="rId7"/>
+    <p:sldId id="261" r:id="rId8"/>
+    <p:sldId id="262" r:id="rId9"/>
+    <p:sldId id="257" r:id="rId10"/>
+    <p:sldId id="258" r:id="rId11"/>
+    <p:sldId id="259" r:id="rId12"/>
+    <p:sldId id="260" r:id="rId13"/>
   </p:sldIdLst>
   <p:sldSz cx="12192000" cy="6858000"/>
   <p:notesSz cx="6858000" cy="9144000"/>
@@ -253,7 +254,7 @@
           <a:p>
             <a:fld id="{F0CD9246-440E-46C2-946E-50CD81230ED2}" type="datetimeFigureOut">
               <a:rPr lang="ko-KR" altLang="en-US" smtClean="0"/>
-              <a:t>2026-01-10</a:t>
+              <a:t>2026-01-15</a:t>
             </a:fld>
             <a:endParaRPr lang="ko-KR" altLang="en-US"/>
           </a:p>
@@ -423,7 +424,7 @@
           <a:p>
             <a:fld id="{F0CD9246-440E-46C2-946E-50CD81230ED2}" type="datetimeFigureOut">
               <a:rPr lang="ko-KR" altLang="en-US" smtClean="0"/>
-              <a:t>2026-01-10</a:t>
+              <a:t>2026-01-15</a:t>
             </a:fld>
             <a:endParaRPr lang="ko-KR" altLang="en-US"/>
           </a:p>
@@ -603,7 +604,7 @@
           <a:p>
             <a:fld id="{F0CD9246-440E-46C2-946E-50CD81230ED2}" type="datetimeFigureOut">
               <a:rPr lang="ko-KR" altLang="en-US" smtClean="0"/>
-              <a:t>2026-01-10</a:t>
+              <a:t>2026-01-15</a:t>
             </a:fld>
             <a:endParaRPr lang="ko-KR" altLang="en-US"/>
           </a:p>
@@ -773,7 +774,7 @@
           <a:p>
             <a:fld id="{F0CD9246-440E-46C2-946E-50CD81230ED2}" type="datetimeFigureOut">
               <a:rPr lang="ko-KR" altLang="en-US" smtClean="0"/>
-              <a:t>2026-01-10</a:t>
+              <a:t>2026-01-15</a:t>
             </a:fld>
             <a:endParaRPr lang="ko-KR" altLang="en-US"/>
           </a:p>
@@ -1019,7 +1020,7 @@
           <a:p>
             <a:fld id="{F0CD9246-440E-46C2-946E-50CD81230ED2}" type="datetimeFigureOut">
               <a:rPr lang="ko-KR" altLang="en-US" smtClean="0"/>
-              <a:t>2026-01-10</a:t>
+              <a:t>2026-01-15</a:t>
             </a:fld>
             <a:endParaRPr lang="ko-KR" altLang="en-US"/>
           </a:p>
@@ -1251,7 +1252,7 @@
           <a:p>
             <a:fld id="{F0CD9246-440E-46C2-946E-50CD81230ED2}" type="datetimeFigureOut">
               <a:rPr lang="ko-KR" altLang="en-US" smtClean="0"/>
-              <a:t>2026-01-10</a:t>
+              <a:t>2026-01-15</a:t>
             </a:fld>
             <a:endParaRPr lang="ko-KR" altLang="en-US"/>
           </a:p>
@@ -1618,7 +1619,7 @@
           <a:p>
             <a:fld id="{F0CD9246-440E-46C2-946E-50CD81230ED2}" type="datetimeFigureOut">
               <a:rPr lang="ko-KR" altLang="en-US" smtClean="0"/>
-              <a:t>2026-01-10</a:t>
+              <a:t>2026-01-15</a:t>
             </a:fld>
             <a:endParaRPr lang="ko-KR" altLang="en-US"/>
           </a:p>
@@ -1736,7 +1737,7 @@
           <a:p>
             <a:fld id="{F0CD9246-440E-46C2-946E-50CD81230ED2}" type="datetimeFigureOut">
               <a:rPr lang="ko-KR" altLang="en-US" smtClean="0"/>
-              <a:t>2026-01-10</a:t>
+              <a:t>2026-01-15</a:t>
             </a:fld>
             <a:endParaRPr lang="ko-KR" altLang="en-US"/>
           </a:p>
@@ -1831,7 +1832,7 @@
           <a:p>
             <a:fld id="{F0CD9246-440E-46C2-946E-50CD81230ED2}" type="datetimeFigureOut">
               <a:rPr lang="ko-KR" altLang="en-US" smtClean="0"/>
-              <a:t>2026-01-10</a:t>
+              <a:t>2026-01-15</a:t>
             </a:fld>
             <a:endParaRPr lang="ko-KR" altLang="en-US"/>
           </a:p>
@@ -2108,7 +2109,7 @@
           <a:p>
             <a:fld id="{F0CD9246-440E-46C2-946E-50CD81230ED2}" type="datetimeFigureOut">
               <a:rPr lang="ko-KR" altLang="en-US" smtClean="0"/>
-              <a:t>2026-01-10</a:t>
+              <a:t>2026-01-15</a:t>
             </a:fld>
             <a:endParaRPr lang="ko-KR" altLang="en-US"/>
           </a:p>
@@ -2361,7 +2362,7 @@
           <a:p>
             <a:fld id="{F0CD9246-440E-46C2-946E-50CD81230ED2}" type="datetimeFigureOut">
               <a:rPr lang="ko-KR" altLang="en-US" smtClean="0"/>
-              <a:t>2026-01-10</a:t>
+              <a:t>2026-01-15</a:t>
             </a:fld>
             <a:endParaRPr lang="ko-KR" altLang="en-US"/>
           </a:p>
@@ -2574,7 +2575,7 @@
           <a:p>
             <a:fld id="{F0CD9246-440E-46C2-946E-50CD81230ED2}" type="datetimeFigureOut">
               <a:rPr lang="ko-KR" altLang="en-US" smtClean="0"/>
-              <a:t>2026-01-10</a:t>
+              <a:t>2026-01-15</a:t>
             </a:fld>
             <a:endParaRPr lang="ko-KR" altLang="en-US"/>
           </a:p>
@@ -3051,6 +3052,30 @@
           </a:prstGeom>
         </p:spPr>
       </p:pic>
+      <p:pic>
+        <p:nvPicPr>
+          <p:cNvPr id="2" name="그림 1"/>
+          <p:cNvPicPr>
+            <a:picLocks noChangeAspect="1"/>
+          </p:cNvPicPr>
+          <p:nvPr/>
+        </p:nvPicPr>
+        <p:blipFill>
+          <a:blip r:embed="rId5"/>
+          <a:stretch>
+            <a:fillRect/>
+          </a:stretch>
+        </p:blipFill>
+        <p:spPr>
+          <a:xfrm>
+            <a:off x="6284605" y="3381287"/>
+            <a:ext cx="4629796" cy="2943636"/>
+          </a:xfrm>
+          <a:prstGeom prst="rect">
+            <a:avLst/>
+          </a:prstGeom>
+        </p:spPr>
+      </p:pic>
     </p:spTree>
     <p:extLst>
       <p:ext uri="{BB962C8B-B14F-4D97-AF65-F5344CB8AC3E}">
@@ -3097,6 +3122,60 @@
         </p:blipFill>
         <p:spPr>
           <a:xfrm>
+            <a:off x="813880" y="385493"/>
+            <a:ext cx="7268589" cy="3858163"/>
+          </a:xfrm>
+          <a:prstGeom prst="rect">
+            <a:avLst/>
+          </a:prstGeom>
+        </p:spPr>
+      </p:pic>
+    </p:spTree>
+    <p:extLst>
+      <p:ext uri="{BB962C8B-B14F-4D97-AF65-F5344CB8AC3E}">
+        <p14:creationId xmlns:p14="http://schemas.microsoft.com/office/powerpoint/2010/main" val="2668780768"/>
+      </p:ext>
+    </p:extLst>
+  </p:cSld>
+  <p:clrMapOvr>
+    <a:masterClrMapping/>
+  </p:clrMapOvr>
+</p:sld>
+</file>
+
+<file path=ppt/slides/slide11.xml><?xml version="1.0" encoding="utf-8"?>
+<p:sld xmlns:a="http://schemas.openxmlformats.org/drawingml/2006/main" xmlns:r="http://schemas.openxmlformats.org/officeDocument/2006/relationships" xmlns:p="http://schemas.openxmlformats.org/presentationml/2006/main">
+  <p:cSld>
+    <p:spTree>
+      <p:nvGrpSpPr>
+        <p:cNvPr id="1" name=""/>
+        <p:cNvGrpSpPr/>
+        <p:nvPr/>
+      </p:nvGrpSpPr>
+      <p:grpSpPr>
+        <a:xfrm>
+          <a:off x="0" y="0"/>
+          <a:ext cx="0" cy="0"/>
+          <a:chOff x="0" y="0"/>
+          <a:chExt cx="0" cy="0"/>
+        </a:xfrm>
+      </p:grpSpPr>
+      <p:pic>
+        <p:nvPicPr>
+          <p:cNvPr id="4" name="그림 3"/>
+          <p:cNvPicPr>
+            <a:picLocks noChangeAspect="1"/>
+          </p:cNvPicPr>
+          <p:nvPr/>
+        </p:nvPicPr>
+        <p:blipFill>
+          <a:blip r:embed="rId2"/>
+          <a:stretch>
+            <a:fillRect/>
+          </a:stretch>
+        </p:blipFill>
+        <p:spPr>
+          <a:xfrm>
             <a:off x="656405" y="419195"/>
             <a:ext cx="3086531" cy="1960519"/>
           </a:xfrm>
@@ -3214,7 +3293,7 @@
 </p:sld>
 </file>
 
-<file path=ppt/slides/slide11.xml><?xml version="1.0" encoding="utf-8"?>
+<file path=ppt/slides/slide12.xml><?xml version="1.0" encoding="utf-8"?>
 <p:sld xmlns:a="http://schemas.openxmlformats.org/drawingml/2006/main" xmlns:r="http://schemas.openxmlformats.org/officeDocument/2006/relationships" xmlns:p="http://schemas.openxmlformats.org/presentationml/2006/main">
   <p:cSld>
     <p:spTree>
@@ -3301,8 +3380,8 @@
         </p:blipFill>
         <p:spPr>
           <a:xfrm>
-            <a:off x="177975" y="246068"/>
-            <a:ext cx="7201905" cy="790685"/>
+            <a:off x="460967" y="230838"/>
+            <a:ext cx="6973273" cy="3715268"/>
           </a:xfrm>
           <a:prstGeom prst="rect">
             <a:avLst/>
@@ -3325,8 +3404,32 @@
         </p:blipFill>
         <p:spPr>
           <a:xfrm>
-            <a:off x="539773" y="1179285"/>
-            <a:ext cx="6744641" cy="4801270"/>
+            <a:off x="345558" y="3294244"/>
+            <a:ext cx="6973273" cy="2915057"/>
+          </a:xfrm>
+          <a:prstGeom prst="rect">
+            <a:avLst/>
+          </a:prstGeom>
+        </p:spPr>
+      </p:pic>
+      <p:pic>
+        <p:nvPicPr>
+          <p:cNvPr id="6" name="그림 5"/>
+          <p:cNvPicPr>
+            <a:picLocks noChangeAspect="1"/>
+          </p:cNvPicPr>
+          <p:nvPr/>
+        </p:nvPicPr>
+        <p:blipFill>
+          <a:blip r:embed="rId4"/>
+          <a:stretch>
+            <a:fillRect/>
+          </a:stretch>
+        </p:blipFill>
+        <p:spPr>
+          <a:xfrm>
+            <a:off x="2537916" y="1571366"/>
+            <a:ext cx="7116168" cy="3715268"/>
           </a:xfrm>
           <a:prstGeom prst="rect">
             <a:avLst/>
@@ -3336,7 +3439,7 @@
     </p:spTree>
     <p:extLst>
       <p:ext uri="{BB962C8B-B14F-4D97-AF65-F5344CB8AC3E}">
-        <p14:creationId xmlns:p14="http://schemas.microsoft.com/office/powerpoint/2010/main" val="1321305327"/>
+        <p14:creationId xmlns:p14="http://schemas.microsoft.com/office/powerpoint/2010/main" val="2005913688"/>
       </p:ext>
     </p:extLst>
   </p:cSld>
@@ -3379,8 +3482,8 @@
         </p:blipFill>
         <p:spPr>
           <a:xfrm>
-            <a:off x="513362" y="338928"/>
-            <a:ext cx="6868484" cy="4582164"/>
+            <a:off x="177975" y="246068"/>
+            <a:ext cx="7201905" cy="790685"/>
           </a:xfrm>
           <a:prstGeom prst="rect">
             <a:avLst/>
@@ -3403,6 +3506,84 @@
         </p:blipFill>
         <p:spPr>
           <a:xfrm>
+            <a:off x="539773" y="1179285"/>
+            <a:ext cx="6744641" cy="4801270"/>
+          </a:xfrm>
+          <a:prstGeom prst="rect">
+            <a:avLst/>
+          </a:prstGeom>
+        </p:spPr>
+      </p:pic>
+    </p:spTree>
+    <p:extLst>
+      <p:ext uri="{BB962C8B-B14F-4D97-AF65-F5344CB8AC3E}">
+        <p14:creationId xmlns:p14="http://schemas.microsoft.com/office/powerpoint/2010/main" val="1321305327"/>
+      </p:ext>
+    </p:extLst>
+  </p:cSld>
+  <p:clrMapOvr>
+    <a:masterClrMapping/>
+  </p:clrMapOvr>
+</p:sld>
+</file>
+
+<file path=ppt/slides/slide4.xml><?xml version="1.0" encoding="utf-8"?>
+<p:sld xmlns:a="http://schemas.openxmlformats.org/drawingml/2006/main" xmlns:r="http://schemas.openxmlformats.org/officeDocument/2006/relationships" xmlns:p="http://schemas.openxmlformats.org/presentationml/2006/main">
+  <p:cSld>
+    <p:spTree>
+      <p:nvGrpSpPr>
+        <p:cNvPr id="1" name=""/>
+        <p:cNvGrpSpPr/>
+        <p:nvPr/>
+      </p:nvGrpSpPr>
+      <p:grpSpPr>
+        <a:xfrm>
+          <a:off x="0" y="0"/>
+          <a:ext cx="0" cy="0"/>
+          <a:chOff x="0" y="0"/>
+          <a:chExt cx="0" cy="0"/>
+        </a:xfrm>
+      </p:grpSpPr>
+      <p:pic>
+        <p:nvPicPr>
+          <p:cNvPr id="4" name="그림 3"/>
+          <p:cNvPicPr>
+            <a:picLocks noChangeAspect="1"/>
+          </p:cNvPicPr>
+          <p:nvPr/>
+        </p:nvPicPr>
+        <p:blipFill>
+          <a:blip r:embed="rId2"/>
+          <a:stretch>
+            <a:fillRect/>
+          </a:stretch>
+        </p:blipFill>
+        <p:spPr>
+          <a:xfrm>
+            <a:off x="513362" y="338928"/>
+            <a:ext cx="6868484" cy="4582164"/>
+          </a:xfrm>
+          <a:prstGeom prst="rect">
+            <a:avLst/>
+          </a:prstGeom>
+        </p:spPr>
+      </p:pic>
+      <p:pic>
+        <p:nvPicPr>
+          <p:cNvPr id="5" name="그림 4"/>
+          <p:cNvPicPr>
+            <a:picLocks noChangeAspect="1"/>
+          </p:cNvPicPr>
+          <p:nvPr/>
+        </p:nvPicPr>
+        <p:blipFill>
+          <a:blip r:embed="rId3"/>
+          <a:stretch>
+            <a:fillRect/>
+          </a:stretch>
+        </p:blipFill>
+        <p:spPr>
+          <a:xfrm>
             <a:off x="8215079" y="338928"/>
             <a:ext cx="2686425" cy="1724266"/>
           </a:xfrm>
@@ -3424,7 +3605,7 @@
 </p:sld>
 </file>
 
-<file path=ppt/slides/slide4.xml><?xml version="1.0" encoding="utf-8"?>
+<file path=ppt/slides/slide5.xml><?xml version="1.0" encoding="utf-8"?>
 <p:sld xmlns:a="http://schemas.openxmlformats.org/drawingml/2006/main" xmlns:r="http://schemas.openxmlformats.org/officeDocument/2006/relationships" xmlns:p="http://schemas.openxmlformats.org/presentationml/2006/main">
   <p:cSld>
     <p:spTree>
@@ -3493,84 +3674,6 @@
     <p:extLst>
       <p:ext uri="{BB962C8B-B14F-4D97-AF65-F5344CB8AC3E}">
         <p14:creationId xmlns:p14="http://schemas.microsoft.com/office/powerpoint/2010/main" val="2656977250"/>
-      </p:ext>
-    </p:extLst>
-  </p:cSld>
-  <p:clrMapOvr>
-    <a:masterClrMapping/>
-  </p:clrMapOvr>
-</p:sld>
-</file>
-
-<file path=ppt/slides/slide5.xml><?xml version="1.0" encoding="utf-8"?>
-<p:sld xmlns:a="http://schemas.openxmlformats.org/drawingml/2006/main" xmlns:r="http://schemas.openxmlformats.org/officeDocument/2006/relationships" xmlns:p="http://schemas.openxmlformats.org/presentationml/2006/main">
-  <p:cSld>
-    <p:spTree>
-      <p:nvGrpSpPr>
-        <p:cNvPr id="1" name=""/>
-        <p:cNvGrpSpPr/>
-        <p:nvPr/>
-      </p:nvGrpSpPr>
-      <p:grpSpPr>
-        <a:xfrm>
-          <a:off x="0" y="0"/>
-          <a:ext cx="0" cy="0"/>
-          <a:chOff x="0" y="0"/>
-          <a:chExt cx="0" cy="0"/>
-        </a:xfrm>
-      </p:grpSpPr>
-      <p:pic>
-        <p:nvPicPr>
-          <p:cNvPr id="4" name="그림 3"/>
-          <p:cNvPicPr>
-            <a:picLocks noChangeAspect="1"/>
-          </p:cNvPicPr>
-          <p:nvPr/>
-        </p:nvPicPr>
-        <p:blipFill>
-          <a:blip r:embed="rId2"/>
-          <a:stretch>
-            <a:fillRect/>
-          </a:stretch>
-        </p:blipFill>
-        <p:spPr>
-          <a:xfrm>
-            <a:off x="655793" y="311328"/>
-            <a:ext cx="5944430" cy="2524477"/>
-          </a:xfrm>
-          <a:prstGeom prst="rect">
-            <a:avLst/>
-          </a:prstGeom>
-        </p:spPr>
-      </p:pic>
-      <p:pic>
-        <p:nvPicPr>
-          <p:cNvPr id="5" name="그림 4"/>
-          <p:cNvPicPr>
-            <a:picLocks noChangeAspect="1"/>
-          </p:cNvPicPr>
-          <p:nvPr/>
-        </p:nvPicPr>
-        <p:blipFill>
-          <a:blip r:embed="rId3"/>
-          <a:stretch>
-            <a:fillRect/>
-          </a:stretch>
-        </p:blipFill>
-        <p:spPr>
-          <a:xfrm>
-            <a:off x="543627" y="3097193"/>
-            <a:ext cx="5849166" cy="2705478"/>
-          </a:xfrm>
-          <a:prstGeom prst="rect">
-            <a:avLst/>
-          </a:prstGeom>
-        </p:spPr>
-      </p:pic>
-    </p:spTree>
-    <p:extLst>
-      <p:ext uri="{BB962C8B-B14F-4D97-AF65-F5344CB8AC3E}">
-        <p14:creationId xmlns:p14="http://schemas.microsoft.com/office/powerpoint/2010/main" val="887493065"/>
       </p:ext>
     </p:extLst>
   </p:cSld>
@@ -3613,8 +3716,8 @@
         </p:blipFill>
         <p:spPr>
           <a:xfrm>
-            <a:off x="280392" y="278487"/>
-            <a:ext cx="4315427" cy="2406351"/>
+            <a:off x="655793" y="311328"/>
+            <a:ext cx="5944430" cy="2524477"/>
           </a:xfrm>
           <a:prstGeom prst="rect">
             <a:avLst/>
@@ -3637,71 +3740,8 @@
         </p:blipFill>
         <p:spPr>
           <a:xfrm>
-            <a:off x="5312126" y="373818"/>
-            <a:ext cx="3326594" cy="2709288"/>
-          </a:xfrm>
-          <a:prstGeom prst="rect">
-            <a:avLst/>
-          </a:prstGeom>
-        </p:spPr>
-      </p:pic>
-      <p:sp>
-        <p:nvSpPr>
-          <p:cNvPr id="2" name="직사각형 1"/>
-          <p:cNvSpPr/>
-          <p:nvPr/>
-        </p:nvSpPr>
-        <p:spPr>
-          <a:xfrm>
-            <a:off x="4167427" y="3244334"/>
-            <a:ext cx="3857146" cy="369332"/>
-          </a:xfrm>
-          <a:prstGeom prst="rect">
-            <a:avLst/>
-          </a:prstGeom>
-        </p:spPr>
-        <p:txBody>
-          <a:bodyPr wrap="none">
-            <a:spAutoFit/>
-          </a:bodyPr>
-          <a:lstStyle/>
-          <a:p>
-            <a:r>
-              <a:rPr lang="en-US" altLang="ko-KR" dirty="0">
-                <a:solidFill>
-                  <a:srgbClr val="CCCCCC"/>
-                </a:solidFill>
-                <a:latin typeface="Consolas" panose="020B0609020204030204" pitchFamily="49" charset="0"/>
-              </a:rPr>
-              <a:t>03_04_bertviz_neuron_view.png</a:t>
-            </a:r>
-            <a:endParaRPr lang="en-US" altLang="ko-KR" b="0" dirty="0">
-              <a:solidFill>
-                <a:srgbClr val="CCCCCC"/>
-              </a:solidFill>
-              <a:effectLst/>
-              <a:latin typeface="Consolas" panose="020B0609020204030204" pitchFamily="49" charset="0"/>
-            </a:endParaRPr>
-          </a:p>
-        </p:txBody>
-      </p:sp>
-      <p:pic>
-        <p:nvPicPr>
-          <p:cNvPr id="3" name="그림 2"/>
-          <p:cNvPicPr>
-            <a:picLocks noChangeAspect="1"/>
-          </p:cNvPicPr>
-          <p:nvPr/>
-        </p:nvPicPr>
-        <p:blipFill rotWithShape="1">
-          <a:blip r:embed="rId4"/>
-          <a:srcRect t="14277"/>
-          <a:stretch/>
-        </p:blipFill>
-        <p:spPr>
-          <a:xfrm>
-            <a:off x="1185915" y="3879541"/>
-            <a:ext cx="7192379" cy="2327387"/>
+            <a:off x="543627" y="3097193"/>
+            <a:ext cx="5849166" cy="2705478"/>
           </a:xfrm>
           <a:prstGeom prst="rect">
             <a:avLst/>
@@ -3711,7 +3751,7 @@
     </p:spTree>
     <p:extLst>
       <p:ext uri="{BB962C8B-B14F-4D97-AF65-F5344CB8AC3E}">
-        <p14:creationId xmlns:p14="http://schemas.microsoft.com/office/powerpoint/2010/main" val="4024031726"/>
+        <p14:creationId xmlns:p14="http://schemas.microsoft.com/office/powerpoint/2010/main" val="887493065"/>
       </p:ext>
     </p:extLst>
   </p:cSld>
@@ -3852,7 +3892,7 @@
     </p:spTree>
     <p:extLst>
       <p:ext uri="{BB962C8B-B14F-4D97-AF65-F5344CB8AC3E}">
-        <p14:creationId xmlns:p14="http://schemas.microsoft.com/office/powerpoint/2010/main" val="1575043608"/>
+        <p14:creationId xmlns:p14="http://schemas.microsoft.com/office/powerpoint/2010/main" val="4024031726"/>
       </p:ext>
     </p:extLst>
   </p:cSld>
@@ -3895,8 +3935,8 @@
         </p:blipFill>
         <p:spPr>
           <a:xfrm>
-            <a:off x="299547" y="371100"/>
-            <a:ext cx="4212543" cy="3235141"/>
+            <a:off x="280392" y="278487"/>
+            <a:ext cx="4315427" cy="2406351"/>
           </a:xfrm>
           <a:prstGeom prst="rect">
             <a:avLst/>
@@ -3919,56 +3959,71 @@
         </p:blipFill>
         <p:spPr>
           <a:xfrm>
-            <a:off x="609134" y="4167072"/>
-            <a:ext cx="4001059" cy="1000265"/>
+            <a:off x="5312126" y="373818"/>
+            <a:ext cx="3326594" cy="2709288"/>
           </a:xfrm>
           <a:prstGeom prst="rect">
             <a:avLst/>
           </a:prstGeom>
         </p:spPr>
       </p:pic>
+      <p:sp>
+        <p:nvSpPr>
+          <p:cNvPr id="2" name="직사각형 1"/>
+          <p:cNvSpPr/>
+          <p:nvPr/>
+        </p:nvSpPr>
+        <p:spPr>
+          <a:xfrm>
+            <a:off x="4167427" y="3244334"/>
+            <a:ext cx="3857146" cy="369332"/>
+          </a:xfrm>
+          <a:prstGeom prst="rect">
+            <a:avLst/>
+          </a:prstGeom>
+        </p:spPr>
+        <p:txBody>
+          <a:bodyPr wrap="none">
+            <a:spAutoFit/>
+          </a:bodyPr>
+          <a:lstStyle/>
+          <a:p>
+            <a:r>
+              <a:rPr lang="en-US" altLang="ko-KR" dirty="0">
+                <a:solidFill>
+                  <a:srgbClr val="CCCCCC"/>
+                </a:solidFill>
+                <a:latin typeface="Consolas" panose="020B0609020204030204" pitchFamily="49" charset="0"/>
+              </a:rPr>
+              <a:t>03_04_bertviz_neuron_view.png</a:t>
+            </a:r>
+            <a:endParaRPr lang="en-US" altLang="ko-KR" b="0" dirty="0">
+              <a:solidFill>
+                <a:srgbClr val="CCCCCC"/>
+              </a:solidFill>
+              <a:effectLst/>
+              <a:latin typeface="Consolas" panose="020B0609020204030204" pitchFamily="49" charset="0"/>
+            </a:endParaRPr>
+          </a:p>
+        </p:txBody>
+      </p:sp>
       <p:pic>
         <p:nvPicPr>
-          <p:cNvPr id="6" name="그림 5"/>
+          <p:cNvPr id="3" name="그림 2"/>
           <p:cNvPicPr>
             <a:picLocks noChangeAspect="1"/>
           </p:cNvPicPr>
           <p:nvPr/>
         </p:nvPicPr>
-        <p:blipFill>
+        <p:blipFill rotWithShape="1">
           <a:blip r:embed="rId4"/>
-          <a:stretch>
-            <a:fillRect/>
-          </a:stretch>
+          <a:srcRect t="14277"/>
+          <a:stretch/>
         </p:blipFill>
         <p:spPr>
           <a:xfrm>
-            <a:off x="5495647" y="371100"/>
-            <a:ext cx="2389204" cy="2389204"/>
-          </a:xfrm>
-          <a:prstGeom prst="rect">
-            <a:avLst/>
-          </a:prstGeom>
-        </p:spPr>
-      </p:pic>
-      <p:pic>
-        <p:nvPicPr>
-          <p:cNvPr id="7" name="그림 6"/>
-          <p:cNvPicPr>
-            <a:picLocks noChangeAspect="1"/>
-          </p:cNvPicPr>
-          <p:nvPr/>
-        </p:nvPicPr>
-        <p:blipFill>
-          <a:blip r:embed="rId5"/>
-          <a:stretch>
-            <a:fillRect/>
-          </a:stretch>
-        </p:blipFill>
-        <p:spPr>
-          <a:xfrm>
-            <a:off x="5323983" y="3002913"/>
-            <a:ext cx="4229690" cy="2172003"/>
+            <a:off x="1185915" y="3879541"/>
+            <a:ext cx="7192379" cy="2327387"/>
           </a:xfrm>
           <a:prstGeom prst="rect">
             <a:avLst/>
@@ -3978,7 +4033,7 @@
     </p:spTree>
     <p:extLst>
       <p:ext uri="{BB962C8B-B14F-4D97-AF65-F5344CB8AC3E}">
-        <p14:creationId xmlns:p14="http://schemas.microsoft.com/office/powerpoint/2010/main" val="2628583716"/>
+        <p14:creationId xmlns:p14="http://schemas.microsoft.com/office/powerpoint/2010/main" val="1575043608"/>
       </p:ext>
     </p:extLst>
   </p:cSld>
@@ -4021,8 +4076,80 @@
         </p:blipFill>
         <p:spPr>
           <a:xfrm>
-            <a:off x="813880" y="385493"/>
-            <a:ext cx="7268589" cy="3858163"/>
+            <a:off x="299547" y="371100"/>
+            <a:ext cx="4212543" cy="3235141"/>
+          </a:xfrm>
+          <a:prstGeom prst="rect">
+            <a:avLst/>
+          </a:prstGeom>
+        </p:spPr>
+      </p:pic>
+      <p:pic>
+        <p:nvPicPr>
+          <p:cNvPr id="5" name="그림 4"/>
+          <p:cNvPicPr>
+            <a:picLocks noChangeAspect="1"/>
+          </p:cNvPicPr>
+          <p:nvPr/>
+        </p:nvPicPr>
+        <p:blipFill>
+          <a:blip r:embed="rId3"/>
+          <a:stretch>
+            <a:fillRect/>
+          </a:stretch>
+        </p:blipFill>
+        <p:spPr>
+          <a:xfrm>
+            <a:off x="609134" y="4167072"/>
+            <a:ext cx="4001059" cy="1000265"/>
+          </a:xfrm>
+          <a:prstGeom prst="rect">
+            <a:avLst/>
+          </a:prstGeom>
+        </p:spPr>
+      </p:pic>
+      <p:pic>
+        <p:nvPicPr>
+          <p:cNvPr id="6" name="그림 5"/>
+          <p:cNvPicPr>
+            <a:picLocks noChangeAspect="1"/>
+          </p:cNvPicPr>
+          <p:nvPr/>
+        </p:nvPicPr>
+        <p:blipFill>
+          <a:blip r:embed="rId4"/>
+          <a:stretch>
+            <a:fillRect/>
+          </a:stretch>
+        </p:blipFill>
+        <p:spPr>
+          <a:xfrm>
+            <a:off x="5495647" y="371100"/>
+            <a:ext cx="2389204" cy="2389204"/>
+          </a:xfrm>
+          <a:prstGeom prst="rect">
+            <a:avLst/>
+          </a:prstGeom>
+        </p:spPr>
+      </p:pic>
+      <p:pic>
+        <p:nvPicPr>
+          <p:cNvPr id="7" name="그림 6"/>
+          <p:cNvPicPr>
+            <a:picLocks noChangeAspect="1"/>
+          </p:cNvPicPr>
+          <p:nvPr/>
+        </p:nvPicPr>
+        <p:blipFill>
+          <a:blip r:embed="rId5"/>
+          <a:stretch>
+            <a:fillRect/>
+          </a:stretch>
+        </p:blipFill>
+        <p:spPr>
+          <a:xfrm>
+            <a:off x="5323983" y="3002913"/>
+            <a:ext cx="4229690" cy="2172003"/>
           </a:xfrm>
           <a:prstGeom prst="rect">
             <a:avLst/>
@@ -4032,7 +4159,7 @@
     </p:spTree>
     <p:extLst>
       <p:ext uri="{BB962C8B-B14F-4D97-AF65-F5344CB8AC3E}">
-        <p14:creationId xmlns:p14="http://schemas.microsoft.com/office/powerpoint/2010/main" val="2668780768"/>
+        <p14:creationId xmlns:p14="http://schemas.microsoft.com/office/powerpoint/2010/main" val="2628583716"/>
       </p:ext>
     </p:extLst>
   </p:cSld>

--- a/image/이미지 생성용.pptx
+++ b/image/이미지 생성용.pptx
@@ -254,7 +254,7 @@
           <a:p>
             <a:fld id="{F0CD9246-440E-46C2-946E-50CD81230ED2}" type="datetimeFigureOut">
               <a:rPr lang="ko-KR" altLang="en-US" smtClean="0"/>
-              <a:t>2026-01-15</a:t>
+              <a:t>2026-01-16</a:t>
             </a:fld>
             <a:endParaRPr lang="ko-KR" altLang="en-US"/>
           </a:p>
@@ -424,7 +424,7 @@
           <a:p>
             <a:fld id="{F0CD9246-440E-46C2-946E-50CD81230ED2}" type="datetimeFigureOut">
               <a:rPr lang="ko-KR" altLang="en-US" smtClean="0"/>
-              <a:t>2026-01-15</a:t>
+              <a:t>2026-01-16</a:t>
             </a:fld>
             <a:endParaRPr lang="ko-KR" altLang="en-US"/>
           </a:p>
@@ -604,7 +604,7 @@
           <a:p>
             <a:fld id="{F0CD9246-440E-46C2-946E-50CD81230ED2}" type="datetimeFigureOut">
               <a:rPr lang="ko-KR" altLang="en-US" smtClean="0"/>
-              <a:t>2026-01-15</a:t>
+              <a:t>2026-01-16</a:t>
             </a:fld>
             <a:endParaRPr lang="ko-KR" altLang="en-US"/>
           </a:p>
@@ -774,7 +774,7 @@
           <a:p>
             <a:fld id="{F0CD9246-440E-46C2-946E-50CD81230ED2}" type="datetimeFigureOut">
               <a:rPr lang="ko-KR" altLang="en-US" smtClean="0"/>
-              <a:t>2026-01-15</a:t>
+              <a:t>2026-01-16</a:t>
             </a:fld>
             <a:endParaRPr lang="ko-KR" altLang="en-US"/>
           </a:p>
@@ -1020,7 +1020,7 @@
           <a:p>
             <a:fld id="{F0CD9246-440E-46C2-946E-50CD81230ED2}" type="datetimeFigureOut">
               <a:rPr lang="ko-KR" altLang="en-US" smtClean="0"/>
-              <a:t>2026-01-15</a:t>
+              <a:t>2026-01-16</a:t>
             </a:fld>
             <a:endParaRPr lang="ko-KR" altLang="en-US"/>
           </a:p>
@@ -1252,7 +1252,7 @@
           <a:p>
             <a:fld id="{F0CD9246-440E-46C2-946E-50CD81230ED2}" type="datetimeFigureOut">
               <a:rPr lang="ko-KR" altLang="en-US" smtClean="0"/>
-              <a:t>2026-01-15</a:t>
+              <a:t>2026-01-16</a:t>
             </a:fld>
             <a:endParaRPr lang="ko-KR" altLang="en-US"/>
           </a:p>
@@ -1619,7 +1619,7 @@
           <a:p>
             <a:fld id="{F0CD9246-440E-46C2-946E-50CD81230ED2}" type="datetimeFigureOut">
               <a:rPr lang="ko-KR" altLang="en-US" smtClean="0"/>
-              <a:t>2026-01-15</a:t>
+              <a:t>2026-01-16</a:t>
             </a:fld>
             <a:endParaRPr lang="ko-KR" altLang="en-US"/>
           </a:p>
@@ -1737,7 +1737,7 @@
           <a:p>
             <a:fld id="{F0CD9246-440E-46C2-946E-50CD81230ED2}" type="datetimeFigureOut">
               <a:rPr lang="ko-KR" altLang="en-US" smtClean="0"/>
-              <a:t>2026-01-15</a:t>
+              <a:t>2026-01-16</a:t>
             </a:fld>
             <a:endParaRPr lang="ko-KR" altLang="en-US"/>
           </a:p>
@@ -1832,7 +1832,7 @@
           <a:p>
             <a:fld id="{F0CD9246-440E-46C2-946E-50CD81230ED2}" type="datetimeFigureOut">
               <a:rPr lang="ko-KR" altLang="en-US" smtClean="0"/>
-              <a:t>2026-01-15</a:t>
+              <a:t>2026-01-16</a:t>
             </a:fld>
             <a:endParaRPr lang="ko-KR" altLang="en-US"/>
           </a:p>
@@ -2109,7 +2109,7 @@
           <a:p>
             <a:fld id="{F0CD9246-440E-46C2-946E-50CD81230ED2}" type="datetimeFigureOut">
               <a:rPr lang="ko-KR" altLang="en-US" smtClean="0"/>
-              <a:t>2026-01-15</a:t>
+              <a:t>2026-01-16</a:t>
             </a:fld>
             <a:endParaRPr lang="ko-KR" altLang="en-US"/>
           </a:p>
@@ -2362,7 +2362,7 @@
           <a:p>
             <a:fld id="{F0CD9246-440E-46C2-946E-50CD81230ED2}" type="datetimeFigureOut">
               <a:rPr lang="ko-KR" altLang="en-US" smtClean="0"/>
-              <a:t>2026-01-15</a:t>
+              <a:t>2026-01-16</a:t>
             </a:fld>
             <a:endParaRPr lang="ko-KR" altLang="en-US"/>
           </a:p>
@@ -2575,7 +2575,7 @@
           <a:p>
             <a:fld id="{F0CD9246-440E-46C2-946E-50CD81230ED2}" type="datetimeFigureOut">
               <a:rPr lang="ko-KR" altLang="en-US" smtClean="0"/>
-              <a:t>2026-01-15</a:t>
+              <a:t>2026-01-16</a:t>
             </a:fld>
             <a:endParaRPr lang="ko-KR" altLang="en-US"/>
           </a:p>
@@ -3514,6 +3514,54 @@
           </a:prstGeom>
         </p:spPr>
       </p:pic>
+      <p:pic>
+        <p:nvPicPr>
+          <p:cNvPr id="2" name="그림 1"/>
+          <p:cNvPicPr>
+            <a:picLocks noChangeAspect="1"/>
+          </p:cNvPicPr>
+          <p:nvPr/>
+        </p:nvPicPr>
+        <p:blipFill>
+          <a:blip r:embed="rId4"/>
+          <a:stretch>
+            <a:fillRect/>
+          </a:stretch>
+        </p:blipFill>
+        <p:spPr>
+          <a:xfrm>
+            <a:off x="5711524" y="246068"/>
+            <a:ext cx="6077798" cy="2181529"/>
+          </a:xfrm>
+          <a:prstGeom prst="rect">
+            <a:avLst/>
+          </a:prstGeom>
+        </p:spPr>
+      </p:pic>
+      <p:pic>
+        <p:nvPicPr>
+          <p:cNvPr id="3" name="그림 2"/>
+          <p:cNvPicPr>
+            <a:picLocks noChangeAspect="1"/>
+          </p:cNvPicPr>
+          <p:nvPr/>
+        </p:nvPicPr>
+        <p:blipFill>
+          <a:blip r:embed="rId5"/>
+          <a:stretch>
+            <a:fillRect/>
+          </a:stretch>
+        </p:blipFill>
+        <p:spPr>
+          <a:xfrm>
+            <a:off x="3171417" y="2019103"/>
+            <a:ext cx="5849166" cy="2819794"/>
+          </a:xfrm>
+          <a:prstGeom prst="rect">
+            <a:avLst/>
+          </a:prstGeom>
+        </p:spPr>
+      </p:pic>
     </p:spTree>
     <p:extLst>
       <p:ext uri="{BB962C8B-B14F-4D97-AF65-F5344CB8AC3E}">
@@ -3742,6 +3790,30 @@
           <a:xfrm>
             <a:off x="543627" y="3097193"/>
             <a:ext cx="5849166" cy="2705478"/>
+          </a:xfrm>
+          <a:prstGeom prst="rect">
+            <a:avLst/>
+          </a:prstGeom>
+        </p:spPr>
+      </p:pic>
+      <p:pic>
+        <p:nvPicPr>
+          <p:cNvPr id="2" name="그림 1"/>
+          <p:cNvPicPr>
+            <a:picLocks noChangeAspect="1"/>
+          </p:cNvPicPr>
+          <p:nvPr/>
+        </p:nvPicPr>
+        <p:blipFill>
+          <a:blip r:embed="rId4"/>
+          <a:stretch>
+            <a:fillRect/>
+          </a:stretch>
+        </p:blipFill>
+        <p:spPr>
+          <a:xfrm>
+            <a:off x="5565050" y="454222"/>
+            <a:ext cx="5839640" cy="2238687"/>
           </a:xfrm>
           <a:prstGeom prst="rect">
             <a:avLst/>

--- a/image/이미지 생성용.pptx
+++ b/image/이미지 생성용.pptx
@@ -6,17 +6,18 @@
   </p:sldMasterIdLst>
   <p:sldIdLst>
     <p:sldId id="256" r:id="rId2"/>
-    <p:sldId id="267" r:id="rId3"/>
-    <p:sldId id="265" r:id="rId4"/>
-    <p:sldId id="266" r:id="rId5"/>
-    <p:sldId id="264" r:id="rId6"/>
-    <p:sldId id="263" r:id="rId7"/>
-    <p:sldId id="261" r:id="rId8"/>
-    <p:sldId id="262" r:id="rId9"/>
-    <p:sldId id="257" r:id="rId10"/>
-    <p:sldId id="258" r:id="rId11"/>
-    <p:sldId id="259" r:id="rId12"/>
-    <p:sldId id="260" r:id="rId13"/>
+    <p:sldId id="268" r:id="rId3"/>
+    <p:sldId id="267" r:id="rId4"/>
+    <p:sldId id="265" r:id="rId5"/>
+    <p:sldId id="266" r:id="rId6"/>
+    <p:sldId id="264" r:id="rId7"/>
+    <p:sldId id="263" r:id="rId8"/>
+    <p:sldId id="261" r:id="rId9"/>
+    <p:sldId id="262" r:id="rId10"/>
+    <p:sldId id="257" r:id="rId11"/>
+    <p:sldId id="258" r:id="rId12"/>
+    <p:sldId id="259" r:id="rId13"/>
+    <p:sldId id="260" r:id="rId14"/>
   </p:sldIdLst>
   <p:sldSz cx="12192000" cy="6858000"/>
   <p:notesSz cx="6858000" cy="9144000"/>
@@ -254,7 +255,7 @@
           <a:p>
             <a:fld id="{F0CD9246-440E-46C2-946E-50CD81230ED2}" type="datetimeFigureOut">
               <a:rPr lang="ko-KR" altLang="en-US" smtClean="0"/>
-              <a:t>2026-01-16</a:t>
+              <a:t>2026-01-20</a:t>
             </a:fld>
             <a:endParaRPr lang="ko-KR" altLang="en-US"/>
           </a:p>
@@ -424,7 +425,7 @@
           <a:p>
             <a:fld id="{F0CD9246-440E-46C2-946E-50CD81230ED2}" type="datetimeFigureOut">
               <a:rPr lang="ko-KR" altLang="en-US" smtClean="0"/>
-              <a:t>2026-01-16</a:t>
+              <a:t>2026-01-20</a:t>
             </a:fld>
             <a:endParaRPr lang="ko-KR" altLang="en-US"/>
           </a:p>
@@ -604,7 +605,7 @@
           <a:p>
             <a:fld id="{F0CD9246-440E-46C2-946E-50CD81230ED2}" type="datetimeFigureOut">
               <a:rPr lang="ko-KR" altLang="en-US" smtClean="0"/>
-              <a:t>2026-01-16</a:t>
+              <a:t>2026-01-20</a:t>
             </a:fld>
             <a:endParaRPr lang="ko-KR" altLang="en-US"/>
           </a:p>
@@ -774,7 +775,7 @@
           <a:p>
             <a:fld id="{F0CD9246-440E-46C2-946E-50CD81230ED2}" type="datetimeFigureOut">
               <a:rPr lang="ko-KR" altLang="en-US" smtClean="0"/>
-              <a:t>2026-01-16</a:t>
+              <a:t>2026-01-20</a:t>
             </a:fld>
             <a:endParaRPr lang="ko-KR" altLang="en-US"/>
           </a:p>
@@ -1020,7 +1021,7 @@
           <a:p>
             <a:fld id="{F0CD9246-440E-46C2-946E-50CD81230ED2}" type="datetimeFigureOut">
               <a:rPr lang="ko-KR" altLang="en-US" smtClean="0"/>
-              <a:t>2026-01-16</a:t>
+              <a:t>2026-01-20</a:t>
             </a:fld>
             <a:endParaRPr lang="ko-KR" altLang="en-US"/>
           </a:p>
@@ -1252,7 +1253,7 @@
           <a:p>
             <a:fld id="{F0CD9246-440E-46C2-946E-50CD81230ED2}" type="datetimeFigureOut">
               <a:rPr lang="ko-KR" altLang="en-US" smtClean="0"/>
-              <a:t>2026-01-16</a:t>
+              <a:t>2026-01-20</a:t>
             </a:fld>
             <a:endParaRPr lang="ko-KR" altLang="en-US"/>
           </a:p>
@@ -1619,7 +1620,7 @@
           <a:p>
             <a:fld id="{F0CD9246-440E-46C2-946E-50CD81230ED2}" type="datetimeFigureOut">
               <a:rPr lang="ko-KR" altLang="en-US" smtClean="0"/>
-              <a:t>2026-01-16</a:t>
+              <a:t>2026-01-20</a:t>
             </a:fld>
             <a:endParaRPr lang="ko-KR" altLang="en-US"/>
           </a:p>
@@ -1737,7 +1738,7 @@
           <a:p>
             <a:fld id="{F0CD9246-440E-46C2-946E-50CD81230ED2}" type="datetimeFigureOut">
               <a:rPr lang="ko-KR" altLang="en-US" smtClean="0"/>
-              <a:t>2026-01-16</a:t>
+              <a:t>2026-01-20</a:t>
             </a:fld>
             <a:endParaRPr lang="ko-KR" altLang="en-US"/>
           </a:p>
@@ -1832,7 +1833,7 @@
           <a:p>
             <a:fld id="{F0CD9246-440E-46C2-946E-50CD81230ED2}" type="datetimeFigureOut">
               <a:rPr lang="ko-KR" altLang="en-US" smtClean="0"/>
-              <a:t>2026-01-16</a:t>
+              <a:t>2026-01-20</a:t>
             </a:fld>
             <a:endParaRPr lang="ko-KR" altLang="en-US"/>
           </a:p>
@@ -2109,7 +2110,7 @@
           <a:p>
             <a:fld id="{F0CD9246-440E-46C2-946E-50CD81230ED2}" type="datetimeFigureOut">
               <a:rPr lang="ko-KR" altLang="en-US" smtClean="0"/>
-              <a:t>2026-01-16</a:t>
+              <a:t>2026-01-20</a:t>
             </a:fld>
             <a:endParaRPr lang="ko-KR" altLang="en-US"/>
           </a:p>
@@ -2362,7 +2363,7 @@
           <a:p>
             <a:fld id="{F0CD9246-440E-46C2-946E-50CD81230ED2}" type="datetimeFigureOut">
               <a:rPr lang="ko-KR" altLang="en-US" smtClean="0"/>
-              <a:t>2026-01-16</a:t>
+              <a:t>2026-01-20</a:t>
             </a:fld>
             <a:endParaRPr lang="ko-KR" altLang="en-US"/>
           </a:p>
@@ -2575,7 +2576,7 @@
           <a:p>
             <a:fld id="{F0CD9246-440E-46C2-946E-50CD81230ED2}" type="datetimeFigureOut">
               <a:rPr lang="ko-KR" altLang="en-US" smtClean="0"/>
-              <a:t>2026-01-16</a:t>
+              <a:t>2026-01-20</a:t>
             </a:fld>
             <a:endParaRPr lang="ko-KR" altLang="en-US"/>
           </a:p>
@@ -3122,8 +3123,80 @@
         </p:blipFill>
         <p:spPr>
           <a:xfrm>
-            <a:off x="813880" y="385493"/>
-            <a:ext cx="7268589" cy="3858163"/>
+            <a:off x="299547" y="371100"/>
+            <a:ext cx="4212543" cy="3235141"/>
+          </a:xfrm>
+          <a:prstGeom prst="rect">
+            <a:avLst/>
+          </a:prstGeom>
+        </p:spPr>
+      </p:pic>
+      <p:pic>
+        <p:nvPicPr>
+          <p:cNvPr id="5" name="그림 4"/>
+          <p:cNvPicPr>
+            <a:picLocks noChangeAspect="1"/>
+          </p:cNvPicPr>
+          <p:nvPr/>
+        </p:nvPicPr>
+        <p:blipFill>
+          <a:blip r:embed="rId3"/>
+          <a:stretch>
+            <a:fillRect/>
+          </a:stretch>
+        </p:blipFill>
+        <p:spPr>
+          <a:xfrm>
+            <a:off x="609134" y="4167072"/>
+            <a:ext cx="4001059" cy="1000265"/>
+          </a:xfrm>
+          <a:prstGeom prst="rect">
+            <a:avLst/>
+          </a:prstGeom>
+        </p:spPr>
+      </p:pic>
+      <p:pic>
+        <p:nvPicPr>
+          <p:cNvPr id="6" name="그림 5"/>
+          <p:cNvPicPr>
+            <a:picLocks noChangeAspect="1"/>
+          </p:cNvPicPr>
+          <p:nvPr/>
+        </p:nvPicPr>
+        <p:blipFill>
+          <a:blip r:embed="rId4"/>
+          <a:stretch>
+            <a:fillRect/>
+          </a:stretch>
+        </p:blipFill>
+        <p:spPr>
+          <a:xfrm>
+            <a:off x="5495647" y="371100"/>
+            <a:ext cx="2389204" cy="2389204"/>
+          </a:xfrm>
+          <a:prstGeom prst="rect">
+            <a:avLst/>
+          </a:prstGeom>
+        </p:spPr>
+      </p:pic>
+      <p:pic>
+        <p:nvPicPr>
+          <p:cNvPr id="7" name="그림 6"/>
+          <p:cNvPicPr>
+            <a:picLocks noChangeAspect="1"/>
+          </p:cNvPicPr>
+          <p:nvPr/>
+        </p:nvPicPr>
+        <p:blipFill>
+          <a:blip r:embed="rId5"/>
+          <a:stretch>
+            <a:fillRect/>
+          </a:stretch>
+        </p:blipFill>
+        <p:spPr>
+          <a:xfrm>
+            <a:off x="5323983" y="3002913"/>
+            <a:ext cx="4229690" cy="2172003"/>
           </a:xfrm>
           <a:prstGeom prst="rect">
             <a:avLst/>
@@ -3133,7 +3206,7 @@
     </p:spTree>
     <p:extLst>
       <p:ext uri="{BB962C8B-B14F-4D97-AF65-F5344CB8AC3E}">
-        <p14:creationId xmlns:p14="http://schemas.microsoft.com/office/powerpoint/2010/main" val="2668780768"/>
+        <p14:creationId xmlns:p14="http://schemas.microsoft.com/office/powerpoint/2010/main" val="2628583716"/>
       </p:ext>
     </p:extLst>
   </p:cSld>
@@ -3176,6 +3249,60 @@
         </p:blipFill>
         <p:spPr>
           <a:xfrm>
+            <a:off x="813880" y="385493"/>
+            <a:ext cx="7268589" cy="3858163"/>
+          </a:xfrm>
+          <a:prstGeom prst="rect">
+            <a:avLst/>
+          </a:prstGeom>
+        </p:spPr>
+      </p:pic>
+    </p:spTree>
+    <p:extLst>
+      <p:ext uri="{BB962C8B-B14F-4D97-AF65-F5344CB8AC3E}">
+        <p14:creationId xmlns:p14="http://schemas.microsoft.com/office/powerpoint/2010/main" val="2668780768"/>
+      </p:ext>
+    </p:extLst>
+  </p:cSld>
+  <p:clrMapOvr>
+    <a:masterClrMapping/>
+  </p:clrMapOvr>
+</p:sld>
+</file>
+
+<file path=ppt/slides/slide12.xml><?xml version="1.0" encoding="utf-8"?>
+<p:sld xmlns:a="http://schemas.openxmlformats.org/drawingml/2006/main" xmlns:r="http://schemas.openxmlformats.org/officeDocument/2006/relationships" xmlns:p="http://schemas.openxmlformats.org/presentationml/2006/main">
+  <p:cSld>
+    <p:spTree>
+      <p:nvGrpSpPr>
+        <p:cNvPr id="1" name=""/>
+        <p:cNvGrpSpPr/>
+        <p:nvPr/>
+      </p:nvGrpSpPr>
+      <p:grpSpPr>
+        <a:xfrm>
+          <a:off x="0" y="0"/>
+          <a:ext cx="0" cy="0"/>
+          <a:chOff x="0" y="0"/>
+          <a:chExt cx="0" cy="0"/>
+        </a:xfrm>
+      </p:grpSpPr>
+      <p:pic>
+        <p:nvPicPr>
+          <p:cNvPr id="4" name="그림 3"/>
+          <p:cNvPicPr>
+            <a:picLocks noChangeAspect="1"/>
+          </p:cNvPicPr>
+          <p:nvPr/>
+        </p:nvPicPr>
+        <p:blipFill>
+          <a:blip r:embed="rId2"/>
+          <a:stretch>
+            <a:fillRect/>
+          </a:stretch>
+        </p:blipFill>
+        <p:spPr>
+          <a:xfrm>
             <a:off x="656405" y="419195"/>
             <a:ext cx="3086531" cy="1960519"/>
           </a:xfrm>
@@ -3293,7 +3420,7 @@
 </p:sld>
 </file>
 
-<file path=ppt/slides/slide12.xml><?xml version="1.0" encoding="utf-8"?>
+<file path=ppt/slides/slide13.xml><?xml version="1.0" encoding="utf-8"?>
 <p:sld xmlns:a="http://schemas.openxmlformats.org/drawingml/2006/main" xmlns:r="http://schemas.openxmlformats.org/officeDocument/2006/relationships" xmlns:p="http://schemas.openxmlformats.org/presentationml/2006/main">
   <p:cSld>
     <p:spTree>
@@ -3380,56 +3507,8 @@
         </p:blipFill>
         <p:spPr>
           <a:xfrm>
-            <a:off x="460967" y="230838"/>
-            <a:ext cx="6973273" cy="3715268"/>
-          </a:xfrm>
-          <a:prstGeom prst="rect">
-            <a:avLst/>
-          </a:prstGeom>
-        </p:spPr>
-      </p:pic>
-      <p:pic>
-        <p:nvPicPr>
-          <p:cNvPr id="5" name="그림 4"/>
-          <p:cNvPicPr>
-            <a:picLocks noChangeAspect="1"/>
-          </p:cNvPicPr>
-          <p:nvPr/>
-        </p:nvPicPr>
-        <p:blipFill>
-          <a:blip r:embed="rId3"/>
-          <a:stretch>
-            <a:fillRect/>
-          </a:stretch>
-        </p:blipFill>
-        <p:spPr>
-          <a:xfrm>
-            <a:off x="345558" y="3294244"/>
-            <a:ext cx="6973273" cy="2915057"/>
-          </a:xfrm>
-          <a:prstGeom prst="rect">
-            <a:avLst/>
-          </a:prstGeom>
-        </p:spPr>
-      </p:pic>
-      <p:pic>
-        <p:nvPicPr>
-          <p:cNvPr id="6" name="그림 5"/>
-          <p:cNvPicPr>
-            <a:picLocks noChangeAspect="1"/>
-          </p:cNvPicPr>
-          <p:nvPr/>
-        </p:nvPicPr>
-        <p:blipFill>
-          <a:blip r:embed="rId4"/>
-          <a:stretch>
-            <a:fillRect/>
-          </a:stretch>
-        </p:blipFill>
-        <p:spPr>
-          <a:xfrm>
-            <a:off x="2537916" y="1571366"/>
-            <a:ext cx="7116168" cy="3715268"/>
+            <a:off x="580969" y="267181"/>
+            <a:ext cx="3448531" cy="3038899"/>
           </a:xfrm>
           <a:prstGeom prst="rect">
             <a:avLst/>
@@ -3439,7 +3518,7 @@
     </p:spTree>
     <p:extLst>
       <p:ext uri="{BB962C8B-B14F-4D97-AF65-F5344CB8AC3E}">
-        <p14:creationId xmlns:p14="http://schemas.microsoft.com/office/powerpoint/2010/main" val="2005913688"/>
+        <p14:creationId xmlns:p14="http://schemas.microsoft.com/office/powerpoint/2010/main" val="2161438923"/>
       </p:ext>
     </p:extLst>
   </p:cSld>
@@ -3482,8 +3561,8 @@
         </p:blipFill>
         <p:spPr>
           <a:xfrm>
-            <a:off x="177975" y="246068"/>
-            <a:ext cx="7201905" cy="790685"/>
+            <a:off x="460967" y="230838"/>
+            <a:ext cx="6973273" cy="3715268"/>
           </a:xfrm>
           <a:prstGeom prst="rect">
             <a:avLst/>
@@ -3506,8 +3585,8 @@
         </p:blipFill>
         <p:spPr>
           <a:xfrm>
-            <a:off x="539773" y="1179285"/>
-            <a:ext cx="6744641" cy="4801270"/>
+            <a:off x="345558" y="3294244"/>
+            <a:ext cx="6973273" cy="2915057"/>
           </a:xfrm>
           <a:prstGeom prst="rect">
             <a:avLst/>
@@ -3516,7 +3595,7 @@
       </p:pic>
       <p:pic>
         <p:nvPicPr>
-          <p:cNvPr id="2" name="그림 1"/>
+          <p:cNvPr id="6" name="그림 5"/>
           <p:cNvPicPr>
             <a:picLocks noChangeAspect="1"/>
           </p:cNvPicPr>
@@ -3530,32 +3609,8 @@
         </p:blipFill>
         <p:spPr>
           <a:xfrm>
-            <a:off x="5711524" y="246068"/>
-            <a:ext cx="6077798" cy="2181529"/>
-          </a:xfrm>
-          <a:prstGeom prst="rect">
-            <a:avLst/>
-          </a:prstGeom>
-        </p:spPr>
-      </p:pic>
-      <p:pic>
-        <p:nvPicPr>
-          <p:cNvPr id="3" name="그림 2"/>
-          <p:cNvPicPr>
-            <a:picLocks noChangeAspect="1"/>
-          </p:cNvPicPr>
-          <p:nvPr/>
-        </p:nvPicPr>
-        <p:blipFill>
-          <a:blip r:embed="rId5"/>
-          <a:stretch>
-            <a:fillRect/>
-          </a:stretch>
-        </p:blipFill>
-        <p:spPr>
-          <a:xfrm>
-            <a:off x="3171417" y="2019103"/>
-            <a:ext cx="5849166" cy="2819794"/>
+            <a:off x="2537916" y="1571366"/>
+            <a:ext cx="7116168" cy="3715268"/>
           </a:xfrm>
           <a:prstGeom prst="rect">
             <a:avLst/>
@@ -3565,7 +3620,7 @@
     </p:spTree>
     <p:extLst>
       <p:ext uri="{BB962C8B-B14F-4D97-AF65-F5344CB8AC3E}">
-        <p14:creationId xmlns:p14="http://schemas.microsoft.com/office/powerpoint/2010/main" val="1321305327"/>
+        <p14:creationId xmlns:p14="http://schemas.microsoft.com/office/powerpoint/2010/main" val="2005913688"/>
       </p:ext>
     </p:extLst>
   </p:cSld>
@@ -3608,8 +3663,8 @@
         </p:blipFill>
         <p:spPr>
           <a:xfrm>
-            <a:off x="513362" y="338928"/>
-            <a:ext cx="6868484" cy="4582164"/>
+            <a:off x="177975" y="246068"/>
+            <a:ext cx="7201905" cy="790685"/>
           </a:xfrm>
           <a:prstGeom prst="rect">
             <a:avLst/>
@@ -3632,6 +3687,132 @@
         </p:blipFill>
         <p:spPr>
           <a:xfrm>
+            <a:off x="539773" y="1179285"/>
+            <a:ext cx="6744641" cy="4801270"/>
+          </a:xfrm>
+          <a:prstGeom prst="rect">
+            <a:avLst/>
+          </a:prstGeom>
+        </p:spPr>
+      </p:pic>
+      <p:pic>
+        <p:nvPicPr>
+          <p:cNvPr id="2" name="그림 1"/>
+          <p:cNvPicPr>
+            <a:picLocks noChangeAspect="1"/>
+          </p:cNvPicPr>
+          <p:nvPr/>
+        </p:nvPicPr>
+        <p:blipFill>
+          <a:blip r:embed="rId4"/>
+          <a:stretch>
+            <a:fillRect/>
+          </a:stretch>
+        </p:blipFill>
+        <p:spPr>
+          <a:xfrm>
+            <a:off x="5711524" y="246068"/>
+            <a:ext cx="6077798" cy="2181529"/>
+          </a:xfrm>
+          <a:prstGeom prst="rect">
+            <a:avLst/>
+          </a:prstGeom>
+        </p:spPr>
+      </p:pic>
+      <p:pic>
+        <p:nvPicPr>
+          <p:cNvPr id="3" name="그림 2"/>
+          <p:cNvPicPr>
+            <a:picLocks noChangeAspect="1"/>
+          </p:cNvPicPr>
+          <p:nvPr/>
+        </p:nvPicPr>
+        <p:blipFill>
+          <a:blip r:embed="rId5"/>
+          <a:stretch>
+            <a:fillRect/>
+          </a:stretch>
+        </p:blipFill>
+        <p:spPr>
+          <a:xfrm>
+            <a:off x="3171417" y="2019103"/>
+            <a:ext cx="5849166" cy="2819794"/>
+          </a:xfrm>
+          <a:prstGeom prst="rect">
+            <a:avLst/>
+          </a:prstGeom>
+        </p:spPr>
+      </p:pic>
+    </p:spTree>
+    <p:extLst>
+      <p:ext uri="{BB962C8B-B14F-4D97-AF65-F5344CB8AC3E}">
+        <p14:creationId xmlns:p14="http://schemas.microsoft.com/office/powerpoint/2010/main" val="1321305327"/>
+      </p:ext>
+    </p:extLst>
+  </p:cSld>
+  <p:clrMapOvr>
+    <a:masterClrMapping/>
+  </p:clrMapOvr>
+</p:sld>
+</file>
+
+<file path=ppt/slides/slide5.xml><?xml version="1.0" encoding="utf-8"?>
+<p:sld xmlns:a="http://schemas.openxmlformats.org/drawingml/2006/main" xmlns:r="http://schemas.openxmlformats.org/officeDocument/2006/relationships" xmlns:p="http://schemas.openxmlformats.org/presentationml/2006/main">
+  <p:cSld>
+    <p:spTree>
+      <p:nvGrpSpPr>
+        <p:cNvPr id="1" name=""/>
+        <p:cNvGrpSpPr/>
+        <p:nvPr/>
+      </p:nvGrpSpPr>
+      <p:grpSpPr>
+        <a:xfrm>
+          <a:off x="0" y="0"/>
+          <a:ext cx="0" cy="0"/>
+          <a:chOff x="0" y="0"/>
+          <a:chExt cx="0" cy="0"/>
+        </a:xfrm>
+      </p:grpSpPr>
+      <p:pic>
+        <p:nvPicPr>
+          <p:cNvPr id="4" name="그림 3"/>
+          <p:cNvPicPr>
+            <a:picLocks noChangeAspect="1"/>
+          </p:cNvPicPr>
+          <p:nvPr/>
+        </p:nvPicPr>
+        <p:blipFill>
+          <a:blip r:embed="rId2"/>
+          <a:stretch>
+            <a:fillRect/>
+          </a:stretch>
+        </p:blipFill>
+        <p:spPr>
+          <a:xfrm>
+            <a:off x="513362" y="338928"/>
+            <a:ext cx="6868484" cy="4582164"/>
+          </a:xfrm>
+          <a:prstGeom prst="rect">
+            <a:avLst/>
+          </a:prstGeom>
+        </p:spPr>
+      </p:pic>
+      <p:pic>
+        <p:nvPicPr>
+          <p:cNvPr id="5" name="그림 4"/>
+          <p:cNvPicPr>
+            <a:picLocks noChangeAspect="1"/>
+          </p:cNvPicPr>
+          <p:nvPr/>
+        </p:nvPicPr>
+        <p:blipFill>
+          <a:blip r:embed="rId3"/>
+          <a:stretch>
+            <a:fillRect/>
+          </a:stretch>
+        </p:blipFill>
+        <p:spPr>
+          <a:xfrm>
             <a:off x="8215079" y="338928"/>
             <a:ext cx="2686425" cy="1724266"/>
           </a:xfrm>
@@ -3653,7 +3834,7 @@
 </p:sld>
 </file>
 
-<file path=ppt/slides/slide5.xml><?xml version="1.0" encoding="utf-8"?>
+<file path=ppt/slides/slide6.xml><?xml version="1.0" encoding="utf-8"?>
 <p:sld xmlns:a="http://schemas.openxmlformats.org/drawingml/2006/main" xmlns:r="http://schemas.openxmlformats.org/officeDocument/2006/relationships" xmlns:p="http://schemas.openxmlformats.org/presentationml/2006/main">
   <p:cSld>
     <p:spTree>
@@ -3722,108 +3903,6 @@
     <p:extLst>
       <p:ext uri="{BB962C8B-B14F-4D97-AF65-F5344CB8AC3E}">
         <p14:creationId xmlns:p14="http://schemas.microsoft.com/office/powerpoint/2010/main" val="2656977250"/>
-      </p:ext>
-    </p:extLst>
-  </p:cSld>
-  <p:clrMapOvr>
-    <a:masterClrMapping/>
-  </p:clrMapOvr>
-</p:sld>
-</file>
-
-<file path=ppt/slides/slide6.xml><?xml version="1.0" encoding="utf-8"?>
-<p:sld xmlns:a="http://schemas.openxmlformats.org/drawingml/2006/main" xmlns:r="http://schemas.openxmlformats.org/officeDocument/2006/relationships" xmlns:p="http://schemas.openxmlformats.org/presentationml/2006/main">
-  <p:cSld>
-    <p:spTree>
-      <p:nvGrpSpPr>
-        <p:cNvPr id="1" name=""/>
-        <p:cNvGrpSpPr/>
-        <p:nvPr/>
-      </p:nvGrpSpPr>
-      <p:grpSpPr>
-        <a:xfrm>
-          <a:off x="0" y="0"/>
-          <a:ext cx="0" cy="0"/>
-          <a:chOff x="0" y="0"/>
-          <a:chExt cx="0" cy="0"/>
-        </a:xfrm>
-      </p:grpSpPr>
-      <p:pic>
-        <p:nvPicPr>
-          <p:cNvPr id="4" name="그림 3"/>
-          <p:cNvPicPr>
-            <a:picLocks noChangeAspect="1"/>
-          </p:cNvPicPr>
-          <p:nvPr/>
-        </p:nvPicPr>
-        <p:blipFill>
-          <a:blip r:embed="rId2"/>
-          <a:stretch>
-            <a:fillRect/>
-          </a:stretch>
-        </p:blipFill>
-        <p:spPr>
-          <a:xfrm>
-            <a:off x="655793" y="311328"/>
-            <a:ext cx="5944430" cy="2524477"/>
-          </a:xfrm>
-          <a:prstGeom prst="rect">
-            <a:avLst/>
-          </a:prstGeom>
-        </p:spPr>
-      </p:pic>
-      <p:pic>
-        <p:nvPicPr>
-          <p:cNvPr id="5" name="그림 4"/>
-          <p:cNvPicPr>
-            <a:picLocks noChangeAspect="1"/>
-          </p:cNvPicPr>
-          <p:nvPr/>
-        </p:nvPicPr>
-        <p:blipFill>
-          <a:blip r:embed="rId3"/>
-          <a:stretch>
-            <a:fillRect/>
-          </a:stretch>
-        </p:blipFill>
-        <p:spPr>
-          <a:xfrm>
-            <a:off x="543627" y="3097193"/>
-            <a:ext cx="5849166" cy="2705478"/>
-          </a:xfrm>
-          <a:prstGeom prst="rect">
-            <a:avLst/>
-          </a:prstGeom>
-        </p:spPr>
-      </p:pic>
-      <p:pic>
-        <p:nvPicPr>
-          <p:cNvPr id="2" name="그림 1"/>
-          <p:cNvPicPr>
-            <a:picLocks noChangeAspect="1"/>
-          </p:cNvPicPr>
-          <p:nvPr/>
-        </p:nvPicPr>
-        <p:blipFill>
-          <a:blip r:embed="rId4"/>
-          <a:stretch>
-            <a:fillRect/>
-          </a:stretch>
-        </p:blipFill>
-        <p:spPr>
-          <a:xfrm>
-            <a:off x="5565050" y="454222"/>
-            <a:ext cx="5839640" cy="2238687"/>
-          </a:xfrm>
-          <a:prstGeom prst="rect">
-            <a:avLst/>
-          </a:prstGeom>
-        </p:spPr>
-      </p:pic>
-    </p:spTree>
-    <p:extLst>
-      <p:ext uri="{BB962C8B-B14F-4D97-AF65-F5344CB8AC3E}">
-        <p14:creationId xmlns:p14="http://schemas.microsoft.com/office/powerpoint/2010/main" val="887493065"/>
       </p:ext>
     </p:extLst>
   </p:cSld>
@@ -3866,8 +3945,8 @@
         </p:blipFill>
         <p:spPr>
           <a:xfrm>
-            <a:off x="280392" y="278487"/>
-            <a:ext cx="4315427" cy="2406351"/>
+            <a:off x="655793" y="311328"/>
+            <a:ext cx="5944430" cy="2524477"/>
           </a:xfrm>
           <a:prstGeom prst="rect">
             <a:avLst/>
@@ -3890,71 +3969,32 @@
         </p:blipFill>
         <p:spPr>
           <a:xfrm>
-            <a:off x="5312126" y="373818"/>
-            <a:ext cx="3326594" cy="2709288"/>
+            <a:off x="543627" y="3097193"/>
+            <a:ext cx="5849166" cy="2705478"/>
           </a:xfrm>
           <a:prstGeom prst="rect">
             <a:avLst/>
           </a:prstGeom>
         </p:spPr>
       </p:pic>
-      <p:sp>
-        <p:nvSpPr>
-          <p:cNvPr id="2" name="직사각형 1"/>
-          <p:cNvSpPr/>
-          <p:nvPr/>
-        </p:nvSpPr>
-        <p:spPr>
-          <a:xfrm>
-            <a:off x="4167427" y="3244334"/>
-            <a:ext cx="3857146" cy="369332"/>
-          </a:xfrm>
-          <a:prstGeom prst="rect">
-            <a:avLst/>
-          </a:prstGeom>
-        </p:spPr>
-        <p:txBody>
-          <a:bodyPr wrap="none">
-            <a:spAutoFit/>
-          </a:bodyPr>
-          <a:lstStyle/>
-          <a:p>
-            <a:r>
-              <a:rPr lang="en-US" altLang="ko-KR" dirty="0">
-                <a:solidFill>
-                  <a:srgbClr val="CCCCCC"/>
-                </a:solidFill>
-                <a:latin typeface="Consolas" panose="020B0609020204030204" pitchFamily="49" charset="0"/>
-              </a:rPr>
-              <a:t>03_04_bertviz_neuron_view.png</a:t>
-            </a:r>
-            <a:endParaRPr lang="en-US" altLang="ko-KR" b="0" dirty="0">
-              <a:solidFill>
-                <a:srgbClr val="CCCCCC"/>
-              </a:solidFill>
-              <a:effectLst/>
-              <a:latin typeface="Consolas" panose="020B0609020204030204" pitchFamily="49" charset="0"/>
-            </a:endParaRPr>
-          </a:p>
-        </p:txBody>
-      </p:sp>
       <p:pic>
         <p:nvPicPr>
-          <p:cNvPr id="3" name="그림 2"/>
+          <p:cNvPr id="2" name="그림 1"/>
           <p:cNvPicPr>
             <a:picLocks noChangeAspect="1"/>
           </p:cNvPicPr>
           <p:nvPr/>
         </p:nvPicPr>
-        <p:blipFill rotWithShape="1">
+        <p:blipFill>
           <a:blip r:embed="rId4"/>
-          <a:srcRect t="14277"/>
-          <a:stretch/>
+          <a:stretch>
+            <a:fillRect/>
+          </a:stretch>
         </p:blipFill>
         <p:spPr>
           <a:xfrm>
-            <a:off x="1185915" y="3879541"/>
-            <a:ext cx="7192379" cy="2327387"/>
+            <a:off x="5565050" y="454222"/>
+            <a:ext cx="5839640" cy="2238687"/>
           </a:xfrm>
           <a:prstGeom prst="rect">
             <a:avLst/>
@@ -3964,7 +4004,7 @@
     </p:spTree>
     <p:extLst>
       <p:ext uri="{BB962C8B-B14F-4D97-AF65-F5344CB8AC3E}">
-        <p14:creationId xmlns:p14="http://schemas.microsoft.com/office/powerpoint/2010/main" val="4024031726"/>
+        <p14:creationId xmlns:p14="http://schemas.microsoft.com/office/powerpoint/2010/main" val="887493065"/>
       </p:ext>
     </p:extLst>
   </p:cSld>
@@ -4105,7 +4145,7 @@
     </p:spTree>
     <p:extLst>
       <p:ext uri="{BB962C8B-B14F-4D97-AF65-F5344CB8AC3E}">
-        <p14:creationId xmlns:p14="http://schemas.microsoft.com/office/powerpoint/2010/main" val="1575043608"/>
+        <p14:creationId xmlns:p14="http://schemas.microsoft.com/office/powerpoint/2010/main" val="4024031726"/>
       </p:ext>
     </p:extLst>
   </p:cSld>
@@ -4148,8 +4188,8 @@
         </p:blipFill>
         <p:spPr>
           <a:xfrm>
-            <a:off x="299547" y="371100"/>
-            <a:ext cx="4212543" cy="3235141"/>
+            <a:off x="280392" y="278487"/>
+            <a:ext cx="4315427" cy="2406351"/>
           </a:xfrm>
           <a:prstGeom prst="rect">
             <a:avLst/>
@@ -4172,56 +4212,71 @@
         </p:blipFill>
         <p:spPr>
           <a:xfrm>
-            <a:off x="609134" y="4167072"/>
-            <a:ext cx="4001059" cy="1000265"/>
+            <a:off x="5312126" y="373818"/>
+            <a:ext cx="3326594" cy="2709288"/>
           </a:xfrm>
           <a:prstGeom prst="rect">
             <a:avLst/>
           </a:prstGeom>
         </p:spPr>
       </p:pic>
+      <p:sp>
+        <p:nvSpPr>
+          <p:cNvPr id="2" name="직사각형 1"/>
+          <p:cNvSpPr/>
+          <p:nvPr/>
+        </p:nvSpPr>
+        <p:spPr>
+          <a:xfrm>
+            <a:off x="4167427" y="3244334"/>
+            <a:ext cx="3857146" cy="369332"/>
+          </a:xfrm>
+          <a:prstGeom prst="rect">
+            <a:avLst/>
+          </a:prstGeom>
+        </p:spPr>
+        <p:txBody>
+          <a:bodyPr wrap="none">
+            <a:spAutoFit/>
+          </a:bodyPr>
+          <a:lstStyle/>
+          <a:p>
+            <a:r>
+              <a:rPr lang="en-US" altLang="ko-KR" dirty="0">
+                <a:solidFill>
+                  <a:srgbClr val="CCCCCC"/>
+                </a:solidFill>
+                <a:latin typeface="Consolas" panose="020B0609020204030204" pitchFamily="49" charset="0"/>
+              </a:rPr>
+              <a:t>03_04_bertviz_neuron_view.png</a:t>
+            </a:r>
+            <a:endParaRPr lang="en-US" altLang="ko-KR" b="0" dirty="0">
+              <a:solidFill>
+                <a:srgbClr val="CCCCCC"/>
+              </a:solidFill>
+              <a:effectLst/>
+              <a:latin typeface="Consolas" panose="020B0609020204030204" pitchFamily="49" charset="0"/>
+            </a:endParaRPr>
+          </a:p>
+        </p:txBody>
+      </p:sp>
       <p:pic>
         <p:nvPicPr>
-          <p:cNvPr id="6" name="그림 5"/>
+          <p:cNvPr id="3" name="그림 2"/>
           <p:cNvPicPr>
             <a:picLocks noChangeAspect="1"/>
           </p:cNvPicPr>
           <p:nvPr/>
         </p:nvPicPr>
-        <p:blipFill>
+        <p:blipFill rotWithShape="1">
           <a:blip r:embed="rId4"/>
-          <a:stretch>
-            <a:fillRect/>
-          </a:stretch>
+          <a:srcRect t="14277"/>
+          <a:stretch/>
         </p:blipFill>
         <p:spPr>
           <a:xfrm>
-            <a:off x="5495647" y="371100"/>
-            <a:ext cx="2389204" cy="2389204"/>
-          </a:xfrm>
-          <a:prstGeom prst="rect">
-            <a:avLst/>
-          </a:prstGeom>
-        </p:spPr>
-      </p:pic>
-      <p:pic>
-        <p:nvPicPr>
-          <p:cNvPr id="7" name="그림 6"/>
-          <p:cNvPicPr>
-            <a:picLocks noChangeAspect="1"/>
-          </p:cNvPicPr>
-          <p:nvPr/>
-        </p:nvPicPr>
-        <p:blipFill>
-          <a:blip r:embed="rId5"/>
-          <a:stretch>
-            <a:fillRect/>
-          </a:stretch>
-        </p:blipFill>
-        <p:spPr>
-          <a:xfrm>
-            <a:off x="5323983" y="3002913"/>
-            <a:ext cx="4229690" cy="2172003"/>
+            <a:off x="1185915" y="3879541"/>
+            <a:ext cx="7192379" cy="2327387"/>
           </a:xfrm>
           <a:prstGeom prst="rect">
             <a:avLst/>
@@ -4231,7 +4286,7 @@
     </p:spTree>
     <p:extLst>
       <p:ext uri="{BB962C8B-B14F-4D97-AF65-F5344CB8AC3E}">
-        <p14:creationId xmlns:p14="http://schemas.microsoft.com/office/powerpoint/2010/main" val="2628583716"/>
+        <p14:creationId xmlns:p14="http://schemas.microsoft.com/office/powerpoint/2010/main" val="1575043608"/>
       </p:ext>
     </p:extLst>
   </p:cSld>
